--- a/Instructions for exam day.pptx
+++ b/Instructions for exam day.pptx
@@ -4,12 +4,430 @@
   <p:sldMasterIdLst>
     <p:sldMasterId id="2147483648" r:id="rId2"/>
   </p:sldMasterIdLst>
+  <p:notesMasterIdLst>
+    <p:notesMasterId r:id="rId3"/>
+  </p:notesMasterIdLst>
   <p:sldIdLst>
-    <p:sldId id="256" r:id="rId3"/>
+    <p:sldId id="256" r:id="rId4"/>
   </p:sldIdLst>
   <p:sldSz cx="10080625" cy="5670550"/>
   <p:notesSz cx="7772400" cy="10058400"/>
 </p:presentation>
+</file>
+
+<file path=ppt/notesMasters/notesMaster1.xml><?xml version="1.0" encoding="utf-8"?>
+<p:notesMaster xmlns:a="http://schemas.openxmlformats.org/drawingml/2006/main" xmlns:p="http://schemas.openxmlformats.org/presentationml/2006/main" xmlns:r="http://schemas.openxmlformats.org/officeDocument/2006/relationships" xmlns:p14="http://schemas.microsoft.com/office/powerpoint/2010/main" xmlns:p15="http://schemas.microsoft.com/office/powerpoint/2012/main" xmlns:mc="http://schemas.openxmlformats.org/markup-compatibility/2006">
+  <p:cSld>
+    <p:spTree>
+      <p:nvGrpSpPr>
+        <p:cNvPr id="1" name=""/>
+        <p:cNvGrpSpPr/>
+        <p:nvPr/>
+      </p:nvGrpSpPr>
+      <p:grpSpPr>
+        <a:xfrm>
+          <a:off x="0" y="0"/>
+          <a:ext cx="0" cy="0"/>
+          <a:chOff x="0" y="0"/>
+          <a:chExt cx="0" cy="0"/>
+        </a:xfrm>
+      </p:grpSpPr>
+      <p:sp>
+        <p:nvSpPr>
+          <p:cNvPr id="40" name="PlaceHolder 1"/>
+          <p:cNvSpPr>
+            <a:spLocks noGrp="1"/>
+          </p:cNvSpPr>
+          <p:nvPr>
+            <p:ph type="sldImg"/>
+          </p:nvPr>
+        </p:nvSpPr>
+        <p:spPr>
+          <a:xfrm>
+            <a:off x="533520" y="764280"/>
+            <a:ext cx="6704640" cy="3771360"/>
+          </a:xfrm>
+          <a:prstGeom prst="rect">
+            <a:avLst/>
+          </a:prstGeom>
+          <a:noFill/>
+          <a:ln w="0">
+            <a:noFill/>
+          </a:ln>
+        </p:spPr>
+        <p:txBody>
+          <a:bodyPr lIns="0" rIns="0" tIns="0" bIns="0" anchor="ctr">
+            <a:noAutofit/>
+          </a:bodyPr>
+          <a:p>
+            <a:pPr algn="ctr">
+              <a:buNone/>
+            </a:pPr>
+            <a:r>
+              <a:rPr b="0" lang="en-US" sz="4400" spc="-1" strike="noStrike">
+                <a:latin typeface="Arial"/>
+              </a:rPr>
+              <a:t>Click to move the slide</a:t>
+            </a:r>
+            <a:endParaRPr b="0" lang="en-US" sz="4400" spc="-1" strike="noStrike">
+              <a:latin typeface="Arial"/>
+            </a:endParaRPr>
+          </a:p>
+        </p:txBody>
+      </p:sp>
+      <p:sp>
+        <p:nvSpPr>
+          <p:cNvPr id="41" name="PlaceHolder 2"/>
+          <p:cNvSpPr>
+            <a:spLocks noGrp="1"/>
+          </p:cNvSpPr>
+          <p:nvPr>
+            <p:ph type="body"/>
+          </p:nvPr>
+        </p:nvSpPr>
+        <p:spPr>
+          <a:xfrm>
+            <a:off x="777240" y="4777560"/>
+            <a:ext cx="6217560" cy="4525920"/>
+          </a:xfrm>
+          <a:prstGeom prst="rect">
+            <a:avLst/>
+          </a:prstGeom>
+          <a:noFill/>
+          <a:ln w="0">
+            <a:noFill/>
+          </a:ln>
+        </p:spPr>
+        <p:txBody>
+          <a:bodyPr lIns="0" rIns="0" tIns="0" bIns="0" anchor="t">
+            <a:noAutofit/>
+          </a:bodyPr>
+          <a:p>
+            <a:r>
+              <a:rPr b="0" lang="en-US" sz="2000" spc="-1" strike="noStrike">
+                <a:latin typeface="Arial"/>
+              </a:rPr>
+              <a:t>Click to edit the notes format</a:t>
+            </a:r>
+            <a:endParaRPr b="0" lang="en-US" sz="2000" spc="-1" strike="noStrike">
+              <a:latin typeface="Arial"/>
+            </a:endParaRPr>
+          </a:p>
+        </p:txBody>
+      </p:sp>
+      <p:sp>
+        <p:nvSpPr>
+          <p:cNvPr id="42" name="PlaceHolder 3"/>
+          <p:cNvSpPr>
+            <a:spLocks noGrp="1"/>
+          </p:cNvSpPr>
+          <p:nvPr>
+            <p:ph type="hdr"/>
+          </p:nvPr>
+        </p:nvSpPr>
+        <p:spPr>
+          <a:xfrm>
+            <a:off x="0" y="0"/>
+            <a:ext cx="3372840" cy="502560"/>
+          </a:xfrm>
+          <a:prstGeom prst="rect">
+            <a:avLst/>
+          </a:prstGeom>
+          <a:noFill/>
+          <a:ln w="0">
+            <a:noFill/>
+          </a:ln>
+        </p:spPr>
+        <p:txBody>
+          <a:bodyPr lIns="0" rIns="0" tIns="0" bIns="0" anchor="t">
+            <a:noAutofit/>
+          </a:bodyPr>
+          <a:p>
+            <a:r>
+              <a:rPr b="0" lang="en-US" sz="1400" spc="-1" strike="noStrike">
+                <a:latin typeface="Times New Roman"/>
+              </a:rPr>
+              <a:t>&lt;header&gt;</a:t>
+            </a:r>
+            <a:endParaRPr b="0" lang="en-US" sz="1400" spc="-1" strike="noStrike">
+              <a:latin typeface="Times New Roman"/>
+            </a:endParaRPr>
+          </a:p>
+        </p:txBody>
+      </p:sp>
+      <p:sp>
+        <p:nvSpPr>
+          <p:cNvPr id="43" name="PlaceHolder 4"/>
+          <p:cNvSpPr>
+            <a:spLocks noGrp="1"/>
+          </p:cNvSpPr>
+          <p:nvPr>
+            <p:ph type="dt" idx="4"/>
+          </p:nvPr>
+        </p:nvSpPr>
+        <p:spPr>
+          <a:xfrm>
+            <a:off x="4399200" y="0"/>
+            <a:ext cx="3372840" cy="502560"/>
+          </a:xfrm>
+          <a:prstGeom prst="rect">
+            <a:avLst/>
+          </a:prstGeom>
+          <a:noFill/>
+          <a:ln w="0">
+            <a:noFill/>
+          </a:ln>
+        </p:spPr>
+        <p:txBody>
+          <a:bodyPr lIns="0" rIns="0" tIns="0" bIns="0" anchor="t">
+            <a:noAutofit/>
+          </a:bodyPr>
+          <a:lstStyle>
+            <a:lvl1pPr algn="r">
+              <a:buNone/>
+              <a:defRPr b="0" lang="en-US" sz="1400" spc="-1" strike="noStrike">
+                <a:latin typeface="Times New Roman"/>
+              </a:defRPr>
+            </a:lvl1pPr>
+          </a:lstStyle>
+          <a:p>
+            <a:pPr algn="r">
+              <a:buNone/>
+            </a:pPr>
+            <a:r>
+              <a:rPr b="0" lang="en-US" sz="1400" spc="-1" strike="noStrike">
+                <a:latin typeface="Times New Roman"/>
+              </a:rPr>
+              <a:t>&lt;date/time&gt;</a:t>
+            </a:r>
+            <a:endParaRPr b="0" lang="en-US" sz="1400" spc="-1" strike="noStrike">
+              <a:latin typeface="Times New Roman"/>
+            </a:endParaRPr>
+          </a:p>
+        </p:txBody>
+      </p:sp>
+      <p:sp>
+        <p:nvSpPr>
+          <p:cNvPr id="44" name="PlaceHolder 5"/>
+          <p:cNvSpPr>
+            <a:spLocks noGrp="1"/>
+          </p:cNvSpPr>
+          <p:nvPr>
+            <p:ph type="ftr" idx="5"/>
+          </p:nvPr>
+        </p:nvSpPr>
+        <p:spPr>
+          <a:xfrm>
+            <a:off x="0" y="9555480"/>
+            <a:ext cx="3372840" cy="502560"/>
+          </a:xfrm>
+          <a:prstGeom prst="rect">
+            <a:avLst/>
+          </a:prstGeom>
+          <a:noFill/>
+          <a:ln w="0">
+            <a:noFill/>
+          </a:ln>
+        </p:spPr>
+        <p:txBody>
+          <a:bodyPr lIns="0" rIns="0" tIns="0" bIns="0" anchor="b">
+            <a:noAutofit/>
+          </a:bodyPr>
+          <a:lstStyle>
+            <a:lvl1pPr>
+              <a:defRPr b="0" lang="en-US" sz="1400" spc="-1" strike="noStrike">
+                <a:latin typeface="Times New Roman"/>
+              </a:defRPr>
+            </a:lvl1pPr>
+          </a:lstStyle>
+          <a:p>
+            <a:r>
+              <a:rPr b="0" lang="en-US" sz="1400" spc="-1" strike="noStrike">
+                <a:latin typeface="Times New Roman"/>
+              </a:rPr>
+              <a:t>&lt;footer&gt;</a:t>
+            </a:r>
+            <a:endParaRPr b="0" lang="en-US" sz="1400" spc="-1" strike="noStrike">
+              <a:latin typeface="Times New Roman"/>
+            </a:endParaRPr>
+          </a:p>
+        </p:txBody>
+      </p:sp>
+      <p:sp>
+        <p:nvSpPr>
+          <p:cNvPr id="45" name="PlaceHolder 6"/>
+          <p:cNvSpPr>
+            <a:spLocks noGrp="1"/>
+          </p:cNvSpPr>
+          <p:nvPr>
+            <p:ph type="sldNum" idx="6"/>
+          </p:nvPr>
+        </p:nvSpPr>
+        <p:spPr>
+          <a:xfrm>
+            <a:off x="4399200" y="9555480"/>
+            <a:ext cx="3372840" cy="502560"/>
+          </a:xfrm>
+          <a:prstGeom prst="rect">
+            <a:avLst/>
+          </a:prstGeom>
+          <a:noFill/>
+          <a:ln w="0">
+            <a:noFill/>
+          </a:ln>
+        </p:spPr>
+        <p:txBody>
+          <a:bodyPr lIns="0" rIns="0" tIns="0" bIns="0" anchor="b">
+            <a:noAutofit/>
+          </a:bodyPr>
+          <a:lstStyle>
+            <a:lvl1pPr algn="r">
+              <a:buNone/>
+              <a:defRPr b="0" lang="en-US" sz="1400" spc="-1" strike="noStrike">
+                <a:latin typeface="Times New Roman"/>
+              </a:defRPr>
+            </a:lvl1pPr>
+          </a:lstStyle>
+          <a:p>
+            <a:pPr algn="r">
+              <a:buNone/>
+            </a:pPr>
+            <a:fld id="{3328112B-AE5B-4A90-9B8F-E513CA2C72A4}" type="slidenum">
+              <a:rPr b="0" lang="en-US" sz="1400" spc="-1" strike="noStrike">
+                <a:latin typeface="Times New Roman"/>
+              </a:rPr>
+              <a:t>&lt;number&gt;</a:t>
+            </a:fld>
+            <a:endParaRPr b="0" lang="en-US" sz="1400" spc="-1" strike="noStrike">
+              <a:latin typeface="Times New Roman"/>
+            </a:endParaRPr>
+          </a:p>
+        </p:txBody>
+      </p:sp>
+    </p:spTree>
+  </p:cSld>
+  <p:clrMap bg1="lt1" bg2="lt2" tx1="dk1" tx2="dk2" accent1="accent1" accent2="accent2" accent3="accent3" accent4="accent4" accent5="accent5" accent6="accent6" hlink="hlink" folHlink="folHlink"/>
+</p:notesMaster>
+</file>
+
+<file path=ppt/notesSlides/notesSlide1.xml><?xml version="1.0" encoding="utf-8"?>
+<p:notes xmlns:a="http://schemas.openxmlformats.org/drawingml/2006/main" xmlns:p="http://schemas.openxmlformats.org/presentationml/2006/main" xmlns:r="http://schemas.openxmlformats.org/officeDocument/2006/relationships" xmlns:p14="http://schemas.microsoft.com/office/powerpoint/2010/main" xmlns:p15="http://schemas.microsoft.com/office/powerpoint/2012/main" xmlns:mc="http://schemas.openxmlformats.org/markup-compatibility/2006">
+  <p:cSld>
+    <p:spTree>
+      <p:nvGrpSpPr>
+        <p:cNvPr id="1" name=""/>
+        <p:cNvGrpSpPr/>
+        <p:nvPr/>
+      </p:nvGrpSpPr>
+      <p:grpSpPr>
+        <a:xfrm>
+          <a:off x="0" y="0"/>
+          <a:ext cx="0" cy="0"/>
+          <a:chOff x="0" y="0"/>
+          <a:chExt cx="0" cy="0"/>
+        </a:xfrm>
+      </p:grpSpPr>
+      <p:sp>
+        <p:nvSpPr>
+          <p:cNvPr id="84" name="PlaceHolder 1"/>
+          <p:cNvSpPr>
+            <a:spLocks noGrp="1"/>
+          </p:cNvSpPr>
+          <p:nvPr>
+            <p:ph type="sldImg"/>
+          </p:nvPr>
+        </p:nvSpPr>
+        <p:spPr>
+          <a:xfrm>
+            <a:off x="0" y="0"/>
+            <a:ext cx="0" cy="0"/>
+          </a:xfrm>
+          <a:prstGeom prst="rect">
+            <a:avLst/>
+          </a:prstGeom>
+          <a:ln w="0">
+            <a:noFill/>
+          </a:ln>
+        </p:spPr>
+      </p:sp>
+      <p:sp>
+        <p:nvSpPr>
+          <p:cNvPr id="85" name="PlaceHolder 2"/>
+          <p:cNvSpPr>
+            <a:spLocks noGrp="1"/>
+          </p:cNvSpPr>
+          <p:nvPr>
+            <p:ph type="body"/>
+          </p:nvPr>
+        </p:nvSpPr>
+        <p:spPr>
+          <a:xfrm>
+            <a:off x="685800" y="4400640"/>
+            <a:ext cx="5486040" cy="3600000"/>
+          </a:xfrm>
+          <a:prstGeom prst="rect">
+            <a:avLst/>
+          </a:prstGeom>
+          <a:noFill/>
+          <a:ln w="0">
+            <a:noFill/>
+          </a:ln>
+        </p:spPr>
+        <p:txBody>
+          <a:bodyPr anchor="ctr">
+            <a:noAutofit/>
+          </a:bodyPr>
+          <a:p>
+            <a:endParaRPr b="0" lang="en-US" sz="2000" spc="-1" strike="noStrike">
+              <a:latin typeface="Arial"/>
+            </a:endParaRPr>
+          </a:p>
+        </p:txBody>
+      </p:sp>
+      <p:sp>
+        <p:nvSpPr>
+          <p:cNvPr id="86" name="PlaceHolder 3"/>
+          <p:cNvSpPr>
+            <a:spLocks noGrp="1"/>
+          </p:cNvSpPr>
+          <p:nvPr>
+            <p:ph type="sldNum" idx="7"/>
+          </p:nvPr>
+        </p:nvSpPr>
+        <p:spPr>
+          <a:xfrm>
+            <a:off x="3884760" y="8685360"/>
+            <a:ext cx="2971440" cy="458280"/>
+          </a:xfrm>
+          <a:prstGeom prst="rect">
+            <a:avLst/>
+          </a:prstGeom>
+          <a:noFill/>
+          <a:ln w="0">
+            <a:noFill/>
+          </a:ln>
+        </p:spPr>
+        <p:txBody>
+          <a:bodyPr anchor="b">
+            <a:noAutofit/>
+          </a:bodyPr>
+          <a:lstStyle>
+            <a:lvl1pPr>
+              <a:defRPr b="0" lang="en-US" sz="2400" spc="-1" strike="noStrike">
+                <a:latin typeface="Times New Roman"/>
+              </a:defRPr>
+            </a:lvl1pPr>
+          </a:lstStyle>
+          <a:p>
+            <a:endParaRPr b="0" lang="en-US" sz="2400" spc="-1" strike="noStrike">
+              <a:latin typeface="Times New Roman"/>
+            </a:endParaRPr>
+          </a:p>
+        </p:txBody>
+      </p:sp>
+    </p:spTree>
+  </p:cSld>
+</p:notes>
 </file>
 
 <file path=ppt/slideLayouts/slideLayout1.xml><?xml version="1.0" encoding="utf-8"?>
@@ -36,7 +454,7 @@
             <a:spLocks noGrp="1"/>
           </p:cNvSpPr>
           <p:nvPr>
-            <p:ph type="ftr" idx="2"/>
+            <p:ph type="ftr" idx="1"/>
           </p:nvPr>
         </p:nvSpPr>
         <p:spPr/>
@@ -56,14 +474,14 @@
             <a:spLocks noGrp="1"/>
           </p:cNvSpPr>
           <p:nvPr>
-            <p:ph type="sldNum" idx="3"/>
+            <p:ph type="sldNum" idx="2"/>
           </p:nvPr>
         </p:nvSpPr>
         <p:spPr/>
         <p:txBody>
           <a:bodyPr/>
           <a:p>
-            <a:fld id="{A5F7DFE8-B70E-46F3-8DE9-96F99F6E90C8}" type="slidenum">
+            <a:fld id="{BF837814-A1C4-46AD-A612-474CC7A7A5AB}" type="slidenum">
               <a:t>&lt;#&gt;</a:t>
             </a:fld>
           </a:p>
@@ -76,7 +494,7 @@
             <a:spLocks noGrp="1"/>
           </p:cNvSpPr>
           <p:nvPr>
-            <p:ph type="dt" idx="1"/>
+            <p:ph type="dt" idx="3"/>
           </p:nvPr>
         </p:nvSpPr>
         <p:spPr/>
@@ -114,7 +532,7 @@
       </p:grpSpPr>
       <p:sp>
         <p:nvSpPr>
-          <p:cNvPr id="26" name="PlaceHolder 1"/>
+          <p:cNvPr id="25" name="PlaceHolder 1"/>
           <p:cNvSpPr>
             <a:spLocks noGrp="1"/>
           </p:cNvSpPr>
@@ -125,7 +543,7 @@
         <p:spPr>
           <a:xfrm>
             <a:off x="504000" y="226080"/>
-            <a:ext cx="9071640" cy="946440"/>
+            <a:ext cx="9071280" cy="946080"/>
           </a:xfrm>
           <a:prstGeom prst="rect">
             <a:avLst/>
@@ -151,7 +569,7 @@
       </p:sp>
       <p:sp>
         <p:nvSpPr>
-          <p:cNvPr id="27" name="PlaceHolder 2"/>
+          <p:cNvPr id="26" name="PlaceHolder 2"/>
           <p:cNvSpPr>
             <a:spLocks noGrp="1"/>
           </p:cNvSpPr>
@@ -162,7 +580,7 @@
         <p:spPr>
           <a:xfrm>
             <a:off x="504000" y="1326600"/>
-            <a:ext cx="9071640" cy="1568160"/>
+            <a:ext cx="9072000" cy="1568520"/>
           </a:xfrm>
           <a:prstGeom prst="rect">
             <a:avLst/>
@@ -185,7 +603,7 @@
       </p:sp>
       <p:sp>
         <p:nvSpPr>
-          <p:cNvPr id="28" name="PlaceHolder 3"/>
+          <p:cNvPr id="27" name="PlaceHolder 3"/>
           <p:cNvSpPr>
             <a:spLocks noGrp="1"/>
           </p:cNvSpPr>
@@ -195,8 +613,8 @@
         </p:nvSpPr>
         <p:spPr>
           <a:xfrm>
-            <a:off x="504000" y="3044160"/>
-            <a:ext cx="9071640" cy="1568160"/>
+            <a:off x="504000" y="3044520"/>
+            <a:ext cx="9072000" cy="1568520"/>
           </a:xfrm>
           <a:prstGeom prst="rect">
             <a:avLst/>
@@ -224,7 +642,7 @@
             <a:spLocks noGrp="1"/>
           </p:cNvSpPr>
           <p:nvPr>
-            <p:ph type="ftr" idx="2"/>
+            <p:ph type="ftr" idx="1"/>
           </p:nvPr>
         </p:nvSpPr>
         <p:spPr/>
@@ -244,14 +662,14 @@
             <a:spLocks noGrp="1"/>
           </p:cNvSpPr>
           <p:nvPr>
-            <p:ph type="sldNum" idx="3"/>
+            <p:ph type="sldNum" idx="2"/>
           </p:nvPr>
         </p:nvSpPr>
         <p:spPr/>
         <p:txBody>
           <a:bodyPr/>
           <a:p>
-            <a:fld id="{40698358-EF1E-48C0-8F2C-FBC8D843DB11}" type="slidenum">
+            <a:fld id="{39E26A0E-5832-4A93-90E8-5F003D13778C}" type="slidenum">
               <a:t>&lt;#&gt;</a:t>
             </a:fld>
           </a:p>
@@ -264,7 +682,7 @@
             <a:spLocks noGrp="1"/>
           </p:cNvSpPr>
           <p:nvPr>
-            <p:ph type="dt" idx="1"/>
+            <p:ph type="dt" idx="3"/>
           </p:nvPr>
         </p:nvSpPr>
         <p:spPr/>
@@ -302,7 +720,7 @@
       </p:grpSpPr>
       <p:sp>
         <p:nvSpPr>
-          <p:cNvPr id="29" name="PlaceHolder 1"/>
+          <p:cNvPr id="28" name="PlaceHolder 1"/>
           <p:cNvSpPr>
             <a:spLocks noGrp="1"/>
           </p:cNvSpPr>
@@ -313,7 +731,7 @@
         <p:spPr>
           <a:xfrm>
             <a:off x="504000" y="226080"/>
-            <a:ext cx="9071640" cy="946440"/>
+            <a:ext cx="9071280" cy="946080"/>
           </a:xfrm>
           <a:prstGeom prst="rect">
             <a:avLst/>
@@ -339,7 +757,7 @@
       </p:sp>
       <p:sp>
         <p:nvSpPr>
-          <p:cNvPr id="30" name="PlaceHolder 2"/>
+          <p:cNvPr id="29" name="PlaceHolder 2"/>
           <p:cNvSpPr>
             <a:spLocks noGrp="1"/>
           </p:cNvSpPr>
@@ -350,7 +768,7 @@
         <p:spPr>
           <a:xfrm>
             <a:off x="504000" y="1326600"/>
-            <a:ext cx="4426920" cy="1568160"/>
+            <a:ext cx="4426920" cy="1568520"/>
           </a:xfrm>
           <a:prstGeom prst="rect">
             <a:avLst/>
@@ -373,7 +791,7 @@
       </p:sp>
       <p:sp>
         <p:nvSpPr>
-          <p:cNvPr id="31" name="PlaceHolder 3"/>
+          <p:cNvPr id="30" name="PlaceHolder 3"/>
           <p:cNvSpPr>
             <a:spLocks noGrp="1"/>
           </p:cNvSpPr>
@@ -384,7 +802,7 @@
         <p:spPr>
           <a:xfrm>
             <a:off x="5152680" y="1326600"/>
-            <a:ext cx="4426920" cy="1568160"/>
+            <a:ext cx="4426920" cy="1568520"/>
           </a:xfrm>
           <a:prstGeom prst="rect">
             <a:avLst/>
@@ -407,7 +825,7 @@
       </p:sp>
       <p:sp>
         <p:nvSpPr>
-          <p:cNvPr id="32" name="PlaceHolder 4"/>
+          <p:cNvPr id="31" name="PlaceHolder 4"/>
           <p:cNvSpPr>
             <a:spLocks noGrp="1"/>
           </p:cNvSpPr>
@@ -417,8 +835,8 @@
         </p:nvSpPr>
         <p:spPr>
           <a:xfrm>
-            <a:off x="504000" y="3044160"/>
-            <a:ext cx="4426920" cy="1568160"/>
+            <a:off x="504000" y="3044520"/>
+            <a:ext cx="4426920" cy="1568520"/>
           </a:xfrm>
           <a:prstGeom prst="rect">
             <a:avLst/>
@@ -441,7 +859,7 @@
       </p:sp>
       <p:sp>
         <p:nvSpPr>
-          <p:cNvPr id="33" name="PlaceHolder 5"/>
+          <p:cNvPr id="32" name="PlaceHolder 5"/>
           <p:cNvSpPr>
             <a:spLocks noGrp="1"/>
           </p:cNvSpPr>
@@ -451,8 +869,8 @@
         </p:nvSpPr>
         <p:spPr>
           <a:xfrm>
-            <a:off x="5152680" y="3044160"/>
-            <a:ext cx="4426920" cy="1568160"/>
+            <a:off x="5152680" y="3044520"/>
+            <a:ext cx="4426920" cy="1568520"/>
           </a:xfrm>
           <a:prstGeom prst="rect">
             <a:avLst/>
@@ -480,7 +898,7 @@
             <a:spLocks noGrp="1"/>
           </p:cNvSpPr>
           <p:nvPr>
-            <p:ph type="ftr" idx="2"/>
+            <p:ph type="ftr" idx="1"/>
           </p:nvPr>
         </p:nvSpPr>
         <p:spPr/>
@@ -500,14 +918,14 @@
             <a:spLocks noGrp="1"/>
           </p:cNvSpPr>
           <p:nvPr>
-            <p:ph type="sldNum" idx="3"/>
+            <p:ph type="sldNum" idx="2"/>
           </p:nvPr>
         </p:nvSpPr>
         <p:spPr/>
         <p:txBody>
           <a:bodyPr/>
           <a:p>
-            <a:fld id="{F470A492-8B43-419B-83D5-D062E3ABF209}" type="slidenum">
+            <a:fld id="{E68DEB26-8F2D-4674-8732-11112880ECCE}" type="slidenum">
               <a:t>&lt;#&gt;</a:t>
             </a:fld>
           </a:p>
@@ -520,7 +938,7 @@
             <a:spLocks noGrp="1"/>
           </p:cNvSpPr>
           <p:nvPr>
-            <p:ph type="dt" idx="1"/>
+            <p:ph type="dt" idx="3"/>
           </p:nvPr>
         </p:nvSpPr>
         <p:spPr/>
@@ -558,7 +976,7 @@
       </p:grpSpPr>
       <p:sp>
         <p:nvSpPr>
-          <p:cNvPr id="34" name="PlaceHolder 1"/>
+          <p:cNvPr id="33" name="PlaceHolder 1"/>
           <p:cNvSpPr>
             <a:spLocks noGrp="1"/>
           </p:cNvSpPr>
@@ -569,7 +987,7 @@
         <p:spPr>
           <a:xfrm>
             <a:off x="504000" y="226080"/>
-            <a:ext cx="9071640" cy="946440"/>
+            <a:ext cx="9071280" cy="946080"/>
           </a:xfrm>
           <a:prstGeom prst="rect">
             <a:avLst/>
@@ -595,7 +1013,7 @@
       </p:sp>
       <p:sp>
         <p:nvSpPr>
-          <p:cNvPr id="35" name="PlaceHolder 2"/>
+          <p:cNvPr id="34" name="PlaceHolder 2"/>
           <p:cNvSpPr>
             <a:spLocks noGrp="1"/>
           </p:cNvSpPr>
@@ -606,7 +1024,7 @@
         <p:spPr>
           <a:xfrm>
             <a:off x="504000" y="1326600"/>
-            <a:ext cx="2920680" cy="1568160"/>
+            <a:ext cx="2921040" cy="1568520"/>
           </a:xfrm>
           <a:prstGeom prst="rect">
             <a:avLst/>
@@ -629,7 +1047,7 @@
       </p:sp>
       <p:sp>
         <p:nvSpPr>
-          <p:cNvPr id="36" name="PlaceHolder 3"/>
+          <p:cNvPr id="35" name="PlaceHolder 3"/>
           <p:cNvSpPr>
             <a:spLocks noGrp="1"/>
           </p:cNvSpPr>
@@ -639,8 +1057,8 @@
         </p:nvSpPr>
         <p:spPr>
           <a:xfrm>
-            <a:off x="3571200" y="1326600"/>
-            <a:ext cx="2920680" cy="1568160"/>
+            <a:off x="3571560" y="1326600"/>
+            <a:ext cx="2921040" cy="1568520"/>
           </a:xfrm>
           <a:prstGeom prst="rect">
             <a:avLst/>
@@ -663,7 +1081,7 @@
       </p:sp>
       <p:sp>
         <p:nvSpPr>
-          <p:cNvPr id="37" name="PlaceHolder 4"/>
+          <p:cNvPr id="36" name="PlaceHolder 4"/>
           <p:cNvSpPr>
             <a:spLocks noGrp="1"/>
           </p:cNvSpPr>
@@ -673,8 +1091,8 @@
         </p:nvSpPr>
         <p:spPr>
           <a:xfrm>
-            <a:off x="6638040" y="1326600"/>
-            <a:ext cx="2920680" cy="1568160"/>
+            <a:off x="6639120" y="1326600"/>
+            <a:ext cx="2921040" cy="1568520"/>
           </a:xfrm>
           <a:prstGeom prst="rect">
             <a:avLst/>
@@ -697,7 +1115,7 @@
       </p:sp>
       <p:sp>
         <p:nvSpPr>
-          <p:cNvPr id="38" name="PlaceHolder 5"/>
+          <p:cNvPr id="37" name="PlaceHolder 5"/>
           <p:cNvSpPr>
             <a:spLocks noGrp="1"/>
           </p:cNvSpPr>
@@ -707,8 +1125,8 @@
         </p:nvSpPr>
         <p:spPr>
           <a:xfrm>
-            <a:off x="504000" y="3044160"/>
-            <a:ext cx="2920680" cy="1568160"/>
+            <a:off x="504000" y="3044520"/>
+            <a:ext cx="2921040" cy="1568520"/>
           </a:xfrm>
           <a:prstGeom prst="rect">
             <a:avLst/>
@@ -731,7 +1149,7 @@
       </p:sp>
       <p:sp>
         <p:nvSpPr>
-          <p:cNvPr id="39" name="PlaceHolder 6"/>
+          <p:cNvPr id="38" name="PlaceHolder 6"/>
           <p:cNvSpPr>
             <a:spLocks noGrp="1"/>
           </p:cNvSpPr>
@@ -741,8 +1159,8 @@
         </p:nvSpPr>
         <p:spPr>
           <a:xfrm>
-            <a:off x="3571200" y="3044160"/>
-            <a:ext cx="2920680" cy="1568160"/>
+            <a:off x="3571560" y="3044520"/>
+            <a:ext cx="2921040" cy="1568520"/>
           </a:xfrm>
           <a:prstGeom prst="rect">
             <a:avLst/>
@@ -765,7 +1183,7 @@
       </p:sp>
       <p:sp>
         <p:nvSpPr>
-          <p:cNvPr id="40" name="PlaceHolder 7"/>
+          <p:cNvPr id="39" name="PlaceHolder 7"/>
           <p:cNvSpPr>
             <a:spLocks noGrp="1"/>
           </p:cNvSpPr>
@@ -775,8 +1193,8 @@
         </p:nvSpPr>
         <p:spPr>
           <a:xfrm>
-            <a:off x="6638040" y="3044160"/>
-            <a:ext cx="2920680" cy="1568160"/>
+            <a:off x="6639120" y="3044520"/>
+            <a:ext cx="2921040" cy="1568520"/>
           </a:xfrm>
           <a:prstGeom prst="rect">
             <a:avLst/>
@@ -804,7 +1222,7 @@
             <a:spLocks noGrp="1"/>
           </p:cNvSpPr>
           <p:nvPr>
-            <p:ph type="ftr" idx="2"/>
+            <p:ph type="ftr" idx="1"/>
           </p:nvPr>
         </p:nvSpPr>
         <p:spPr/>
@@ -824,14 +1242,14 @@
             <a:spLocks noGrp="1"/>
           </p:cNvSpPr>
           <p:nvPr>
-            <p:ph type="sldNum" idx="3"/>
+            <p:ph type="sldNum" idx="2"/>
           </p:nvPr>
         </p:nvSpPr>
         <p:spPr/>
         <p:txBody>
           <a:bodyPr/>
           <a:p>
-            <a:fld id="{BC4E91A9-E4D6-4C51-AA9D-4784B7ECEE36}" type="slidenum">
+            <a:fld id="{3D9B619F-D6CF-46BC-A05B-D1B851049157}" type="slidenum">
               <a:t>&lt;#&gt;</a:t>
             </a:fld>
           </a:p>
@@ -844,7 +1262,7 @@
             <a:spLocks noGrp="1"/>
           </p:cNvSpPr>
           <p:nvPr>
-            <p:ph type="dt" idx="1"/>
+            <p:ph type="dt" idx="3"/>
           </p:nvPr>
         </p:nvSpPr>
         <p:spPr/>
@@ -882,7 +1300,7 @@
       </p:grpSpPr>
       <p:sp>
         <p:nvSpPr>
-          <p:cNvPr id="5" name="PlaceHolder 1"/>
+          <p:cNvPr id="4" name="PlaceHolder 1"/>
           <p:cNvSpPr>
             <a:spLocks noGrp="1"/>
           </p:cNvSpPr>
@@ -893,7 +1311,7 @@
         <p:spPr>
           <a:xfrm>
             <a:off x="504000" y="226080"/>
-            <a:ext cx="9071640" cy="946440"/>
+            <a:ext cx="9071280" cy="946080"/>
           </a:xfrm>
           <a:prstGeom prst="rect">
             <a:avLst/>
@@ -919,7 +1337,7 @@
       </p:sp>
       <p:sp>
         <p:nvSpPr>
-          <p:cNvPr id="6" name="PlaceHolder 2"/>
+          <p:cNvPr id="5" name="PlaceHolder 2"/>
           <p:cNvSpPr>
             <a:spLocks noGrp="1"/>
           </p:cNvSpPr>
@@ -930,7 +1348,7 @@
         <p:spPr>
           <a:xfrm>
             <a:off x="504000" y="1326600"/>
-            <a:ext cx="9071640" cy="3288240"/>
+            <a:ext cx="9072000" cy="3288600"/>
           </a:xfrm>
           <a:prstGeom prst="rect">
             <a:avLst/>
@@ -961,7 +1379,7 @@
             <a:spLocks noGrp="1"/>
           </p:cNvSpPr>
           <p:nvPr>
-            <p:ph type="ftr" idx="2"/>
+            <p:ph type="ftr" idx="1"/>
           </p:nvPr>
         </p:nvSpPr>
         <p:spPr/>
@@ -981,14 +1399,14 @@
             <a:spLocks noGrp="1"/>
           </p:cNvSpPr>
           <p:nvPr>
-            <p:ph type="sldNum" idx="3"/>
+            <p:ph type="sldNum" idx="2"/>
           </p:nvPr>
         </p:nvSpPr>
         <p:spPr/>
         <p:txBody>
           <a:bodyPr/>
           <a:p>
-            <a:fld id="{16BB0A76-4ED9-4199-89B3-99C72CAED71A}" type="slidenum">
+            <a:fld id="{2FCF3124-EC8F-4760-9B60-B96E4BCD9C44}" type="slidenum">
               <a:t>&lt;#&gt;</a:t>
             </a:fld>
           </a:p>
@@ -1001,7 +1419,7 @@
             <a:spLocks noGrp="1"/>
           </p:cNvSpPr>
           <p:nvPr>
-            <p:ph type="dt" idx="1"/>
+            <p:ph type="dt" idx="3"/>
           </p:nvPr>
         </p:nvSpPr>
         <p:spPr/>
@@ -1039,7 +1457,7 @@
       </p:grpSpPr>
       <p:sp>
         <p:nvSpPr>
-          <p:cNvPr id="7" name="PlaceHolder 1"/>
+          <p:cNvPr id="6" name="PlaceHolder 1"/>
           <p:cNvSpPr>
             <a:spLocks noGrp="1"/>
           </p:cNvSpPr>
@@ -1050,7 +1468,7 @@
         <p:spPr>
           <a:xfrm>
             <a:off x="504000" y="226080"/>
-            <a:ext cx="9071640" cy="946440"/>
+            <a:ext cx="9071280" cy="946080"/>
           </a:xfrm>
           <a:prstGeom prst="rect">
             <a:avLst/>
@@ -1076,7 +1494,7 @@
       </p:sp>
       <p:sp>
         <p:nvSpPr>
-          <p:cNvPr id="8" name="PlaceHolder 2"/>
+          <p:cNvPr id="7" name="PlaceHolder 2"/>
           <p:cNvSpPr>
             <a:spLocks noGrp="1"/>
           </p:cNvSpPr>
@@ -1087,7 +1505,7 @@
         <p:spPr>
           <a:xfrm>
             <a:off x="504000" y="1326600"/>
-            <a:ext cx="9071640" cy="3288240"/>
+            <a:ext cx="9072000" cy="3288600"/>
           </a:xfrm>
           <a:prstGeom prst="rect">
             <a:avLst/>
@@ -1115,7 +1533,7 @@
             <a:spLocks noGrp="1"/>
           </p:cNvSpPr>
           <p:nvPr>
-            <p:ph type="ftr" idx="2"/>
+            <p:ph type="ftr" idx="1"/>
           </p:nvPr>
         </p:nvSpPr>
         <p:spPr/>
@@ -1135,14 +1553,14 @@
             <a:spLocks noGrp="1"/>
           </p:cNvSpPr>
           <p:nvPr>
-            <p:ph type="sldNum" idx="3"/>
+            <p:ph type="sldNum" idx="2"/>
           </p:nvPr>
         </p:nvSpPr>
         <p:spPr/>
         <p:txBody>
           <a:bodyPr/>
           <a:p>
-            <a:fld id="{B6CEC80D-A895-47B9-8033-9196CD58A0EA}" type="slidenum">
+            <a:fld id="{0AAC768A-F23D-41A8-AC78-FE90CBB80332}" type="slidenum">
               <a:t>&lt;#&gt;</a:t>
             </a:fld>
           </a:p>
@@ -1155,7 +1573,7 @@
             <a:spLocks noGrp="1"/>
           </p:cNvSpPr>
           <p:nvPr>
-            <p:ph type="dt" idx="1"/>
+            <p:ph type="dt" idx="3"/>
           </p:nvPr>
         </p:nvSpPr>
         <p:spPr/>
@@ -1193,7 +1611,7 @@
       </p:grpSpPr>
       <p:sp>
         <p:nvSpPr>
-          <p:cNvPr id="9" name="PlaceHolder 1"/>
+          <p:cNvPr id="8" name="PlaceHolder 1"/>
           <p:cNvSpPr>
             <a:spLocks noGrp="1"/>
           </p:cNvSpPr>
@@ -1204,7 +1622,7 @@
         <p:spPr>
           <a:xfrm>
             <a:off x="504000" y="226080"/>
-            <a:ext cx="9071640" cy="946440"/>
+            <a:ext cx="9071280" cy="946080"/>
           </a:xfrm>
           <a:prstGeom prst="rect">
             <a:avLst/>
@@ -1230,7 +1648,7 @@
       </p:sp>
       <p:sp>
         <p:nvSpPr>
-          <p:cNvPr id="10" name="PlaceHolder 2"/>
+          <p:cNvPr id="9" name="PlaceHolder 2"/>
           <p:cNvSpPr>
             <a:spLocks noGrp="1"/>
           </p:cNvSpPr>
@@ -1241,7 +1659,7 @@
         <p:spPr>
           <a:xfrm>
             <a:off x="504000" y="1326600"/>
-            <a:ext cx="4426920" cy="3288240"/>
+            <a:ext cx="4426920" cy="3288600"/>
           </a:xfrm>
           <a:prstGeom prst="rect">
             <a:avLst/>
@@ -1264,7 +1682,7 @@
       </p:sp>
       <p:sp>
         <p:nvSpPr>
-          <p:cNvPr id="11" name="PlaceHolder 3"/>
+          <p:cNvPr id="10" name="PlaceHolder 3"/>
           <p:cNvSpPr>
             <a:spLocks noGrp="1"/>
           </p:cNvSpPr>
@@ -1275,7 +1693,7 @@
         <p:spPr>
           <a:xfrm>
             <a:off x="5152680" y="1326600"/>
-            <a:ext cx="4426920" cy="3288240"/>
+            <a:ext cx="4426920" cy="3288600"/>
           </a:xfrm>
           <a:prstGeom prst="rect">
             <a:avLst/>
@@ -1303,7 +1721,7 @@
             <a:spLocks noGrp="1"/>
           </p:cNvSpPr>
           <p:nvPr>
-            <p:ph type="ftr" idx="2"/>
+            <p:ph type="ftr" idx="1"/>
           </p:nvPr>
         </p:nvSpPr>
         <p:spPr/>
@@ -1323,14 +1741,14 @@
             <a:spLocks noGrp="1"/>
           </p:cNvSpPr>
           <p:nvPr>
-            <p:ph type="sldNum" idx="3"/>
+            <p:ph type="sldNum" idx="2"/>
           </p:nvPr>
         </p:nvSpPr>
         <p:spPr/>
         <p:txBody>
           <a:bodyPr/>
           <a:p>
-            <a:fld id="{C5D3503E-B7B2-4538-B027-26281C411DEB}" type="slidenum">
+            <a:fld id="{A9D4F640-59DF-4223-90FF-FB3185968F49}" type="slidenum">
               <a:t>&lt;#&gt;</a:t>
             </a:fld>
           </a:p>
@@ -1343,7 +1761,7 @@
             <a:spLocks noGrp="1"/>
           </p:cNvSpPr>
           <p:nvPr>
-            <p:ph type="dt" idx="1"/>
+            <p:ph type="dt" idx="3"/>
           </p:nvPr>
         </p:nvSpPr>
         <p:spPr/>
@@ -1381,7 +1799,7 @@
       </p:grpSpPr>
       <p:sp>
         <p:nvSpPr>
-          <p:cNvPr id="12" name="PlaceHolder 1"/>
+          <p:cNvPr id="11" name="PlaceHolder 1"/>
           <p:cNvSpPr>
             <a:spLocks noGrp="1"/>
           </p:cNvSpPr>
@@ -1392,7 +1810,7 @@
         <p:spPr>
           <a:xfrm>
             <a:off x="504000" y="226080"/>
-            <a:ext cx="9071640" cy="946440"/>
+            <a:ext cx="9071280" cy="946080"/>
           </a:xfrm>
           <a:prstGeom prst="rect">
             <a:avLst/>
@@ -1423,7 +1841,7 @@
             <a:spLocks noGrp="1"/>
           </p:cNvSpPr>
           <p:nvPr>
-            <p:ph type="ftr" idx="2"/>
+            <p:ph type="ftr" idx="1"/>
           </p:nvPr>
         </p:nvSpPr>
         <p:spPr/>
@@ -1443,14 +1861,14 @@
             <a:spLocks noGrp="1"/>
           </p:cNvSpPr>
           <p:nvPr>
-            <p:ph type="sldNum" idx="3"/>
+            <p:ph type="sldNum" idx="2"/>
           </p:nvPr>
         </p:nvSpPr>
         <p:spPr/>
         <p:txBody>
           <a:bodyPr/>
           <a:p>
-            <a:fld id="{DBC9949F-7620-4BB1-A5D0-D99C59B1D195}" type="slidenum">
+            <a:fld id="{59FD62FF-B8D8-4753-B926-89436D6718F2}" type="slidenum">
               <a:t>&lt;#&gt;</a:t>
             </a:fld>
           </a:p>
@@ -1463,7 +1881,7 @@
             <a:spLocks noGrp="1"/>
           </p:cNvSpPr>
           <p:nvPr>
-            <p:ph type="dt" idx="1"/>
+            <p:ph type="dt" idx="3"/>
           </p:nvPr>
         </p:nvSpPr>
         <p:spPr/>
@@ -1501,7 +1919,7 @@
       </p:grpSpPr>
       <p:sp>
         <p:nvSpPr>
-          <p:cNvPr id="13" name="PlaceHolder 1"/>
+          <p:cNvPr id="12" name="PlaceHolder 1"/>
           <p:cNvSpPr>
             <a:spLocks noGrp="1"/>
           </p:cNvSpPr>
@@ -1512,7 +1930,7 @@
         <p:spPr>
           <a:xfrm>
             <a:off x="504000" y="226080"/>
-            <a:ext cx="9071640" cy="4388400"/>
+            <a:ext cx="9071280" cy="4386600"/>
           </a:xfrm>
           <a:prstGeom prst="rect">
             <a:avLst/>
@@ -1543,7 +1961,7 @@
             <a:spLocks noGrp="1"/>
           </p:cNvSpPr>
           <p:nvPr>
-            <p:ph type="ftr" idx="2"/>
+            <p:ph type="ftr" idx="1"/>
           </p:nvPr>
         </p:nvSpPr>
         <p:spPr/>
@@ -1563,14 +1981,14 @@
             <a:spLocks noGrp="1"/>
           </p:cNvSpPr>
           <p:nvPr>
-            <p:ph type="sldNum" idx="3"/>
+            <p:ph type="sldNum" idx="2"/>
           </p:nvPr>
         </p:nvSpPr>
         <p:spPr/>
         <p:txBody>
           <a:bodyPr/>
           <a:p>
-            <a:fld id="{3EF1CF48-1B0D-49D4-A10F-E593B20ACAF4}" type="slidenum">
+            <a:fld id="{A274C0B1-9390-4C19-BF38-D5A2877F7827}" type="slidenum">
               <a:t>&lt;#&gt;</a:t>
             </a:fld>
           </a:p>
@@ -1583,7 +2001,7 @@
             <a:spLocks noGrp="1"/>
           </p:cNvSpPr>
           <p:nvPr>
-            <p:ph type="dt" idx="1"/>
+            <p:ph type="dt" idx="3"/>
           </p:nvPr>
         </p:nvSpPr>
         <p:spPr/>
@@ -1621,7 +2039,7 @@
       </p:grpSpPr>
       <p:sp>
         <p:nvSpPr>
-          <p:cNvPr id="14" name="PlaceHolder 1"/>
+          <p:cNvPr id="13" name="PlaceHolder 1"/>
           <p:cNvSpPr>
             <a:spLocks noGrp="1"/>
           </p:cNvSpPr>
@@ -1632,7 +2050,7 @@
         <p:spPr>
           <a:xfrm>
             <a:off x="504000" y="226080"/>
-            <a:ext cx="9071640" cy="946440"/>
+            <a:ext cx="9071280" cy="946080"/>
           </a:xfrm>
           <a:prstGeom prst="rect">
             <a:avLst/>
@@ -1658,7 +2076,7 @@
       </p:sp>
       <p:sp>
         <p:nvSpPr>
-          <p:cNvPr id="15" name="PlaceHolder 2"/>
+          <p:cNvPr id="14" name="PlaceHolder 2"/>
           <p:cNvSpPr>
             <a:spLocks noGrp="1"/>
           </p:cNvSpPr>
@@ -1669,7 +2087,7 @@
         <p:spPr>
           <a:xfrm>
             <a:off x="504000" y="1326600"/>
-            <a:ext cx="4426920" cy="1568160"/>
+            <a:ext cx="4426920" cy="1568520"/>
           </a:xfrm>
           <a:prstGeom prst="rect">
             <a:avLst/>
@@ -1692,7 +2110,7 @@
       </p:sp>
       <p:sp>
         <p:nvSpPr>
-          <p:cNvPr id="16" name="PlaceHolder 3"/>
+          <p:cNvPr id="15" name="PlaceHolder 3"/>
           <p:cNvSpPr>
             <a:spLocks noGrp="1"/>
           </p:cNvSpPr>
@@ -1703,7 +2121,7 @@
         <p:spPr>
           <a:xfrm>
             <a:off x="5152680" y="1326600"/>
-            <a:ext cx="4426920" cy="3288240"/>
+            <a:ext cx="4426920" cy="3288600"/>
           </a:xfrm>
           <a:prstGeom prst="rect">
             <a:avLst/>
@@ -1726,7 +2144,7 @@
       </p:sp>
       <p:sp>
         <p:nvSpPr>
-          <p:cNvPr id="17" name="PlaceHolder 4"/>
+          <p:cNvPr id="16" name="PlaceHolder 4"/>
           <p:cNvSpPr>
             <a:spLocks noGrp="1"/>
           </p:cNvSpPr>
@@ -1736,8 +2154,8 @@
         </p:nvSpPr>
         <p:spPr>
           <a:xfrm>
-            <a:off x="504000" y="3044160"/>
-            <a:ext cx="4426920" cy="1568160"/>
+            <a:off x="504000" y="3044520"/>
+            <a:ext cx="4426920" cy="1568520"/>
           </a:xfrm>
           <a:prstGeom prst="rect">
             <a:avLst/>
@@ -1765,7 +2183,7 @@
             <a:spLocks noGrp="1"/>
           </p:cNvSpPr>
           <p:nvPr>
-            <p:ph type="ftr" idx="2"/>
+            <p:ph type="ftr" idx="1"/>
           </p:nvPr>
         </p:nvSpPr>
         <p:spPr/>
@@ -1785,14 +2203,14 @@
             <a:spLocks noGrp="1"/>
           </p:cNvSpPr>
           <p:nvPr>
-            <p:ph type="sldNum" idx="3"/>
+            <p:ph type="sldNum" idx="2"/>
           </p:nvPr>
         </p:nvSpPr>
         <p:spPr/>
         <p:txBody>
           <a:bodyPr/>
           <a:p>
-            <a:fld id="{A22D847F-FEE2-461A-AB97-61FB83350961}" type="slidenum">
+            <a:fld id="{7C3A52EE-E2FC-4148-8875-90C7173FD971}" type="slidenum">
               <a:t>&lt;#&gt;</a:t>
             </a:fld>
           </a:p>
@@ -1805,7 +2223,7 @@
             <a:spLocks noGrp="1"/>
           </p:cNvSpPr>
           <p:nvPr>
-            <p:ph type="dt" idx="1"/>
+            <p:ph type="dt" idx="3"/>
           </p:nvPr>
         </p:nvSpPr>
         <p:spPr/>
@@ -1843,7 +2261,7 @@
       </p:grpSpPr>
       <p:sp>
         <p:nvSpPr>
-          <p:cNvPr id="18" name="PlaceHolder 1"/>
+          <p:cNvPr id="17" name="PlaceHolder 1"/>
           <p:cNvSpPr>
             <a:spLocks noGrp="1"/>
           </p:cNvSpPr>
@@ -1854,7 +2272,7 @@
         <p:spPr>
           <a:xfrm>
             <a:off x="504000" y="226080"/>
-            <a:ext cx="9071640" cy="946440"/>
+            <a:ext cx="9071280" cy="946080"/>
           </a:xfrm>
           <a:prstGeom prst="rect">
             <a:avLst/>
@@ -1880,7 +2298,7 @@
       </p:sp>
       <p:sp>
         <p:nvSpPr>
-          <p:cNvPr id="19" name="PlaceHolder 2"/>
+          <p:cNvPr id="18" name="PlaceHolder 2"/>
           <p:cNvSpPr>
             <a:spLocks noGrp="1"/>
           </p:cNvSpPr>
@@ -1891,7 +2309,7 @@
         <p:spPr>
           <a:xfrm>
             <a:off x="504000" y="1326600"/>
-            <a:ext cx="4426920" cy="3288240"/>
+            <a:ext cx="4426920" cy="3288600"/>
           </a:xfrm>
           <a:prstGeom prst="rect">
             <a:avLst/>
@@ -1914,7 +2332,7 @@
       </p:sp>
       <p:sp>
         <p:nvSpPr>
-          <p:cNvPr id="20" name="PlaceHolder 3"/>
+          <p:cNvPr id="19" name="PlaceHolder 3"/>
           <p:cNvSpPr>
             <a:spLocks noGrp="1"/>
           </p:cNvSpPr>
@@ -1925,7 +2343,7 @@
         <p:spPr>
           <a:xfrm>
             <a:off x="5152680" y="1326600"/>
-            <a:ext cx="4426920" cy="1568160"/>
+            <a:ext cx="4426920" cy="1568520"/>
           </a:xfrm>
           <a:prstGeom prst="rect">
             <a:avLst/>
@@ -1948,7 +2366,7 @@
       </p:sp>
       <p:sp>
         <p:nvSpPr>
-          <p:cNvPr id="21" name="PlaceHolder 4"/>
+          <p:cNvPr id="20" name="PlaceHolder 4"/>
           <p:cNvSpPr>
             <a:spLocks noGrp="1"/>
           </p:cNvSpPr>
@@ -1958,8 +2376,8 @@
         </p:nvSpPr>
         <p:spPr>
           <a:xfrm>
-            <a:off x="5152680" y="3044160"/>
-            <a:ext cx="4426920" cy="1568160"/>
+            <a:off x="5152680" y="3044520"/>
+            <a:ext cx="4426920" cy="1568520"/>
           </a:xfrm>
           <a:prstGeom prst="rect">
             <a:avLst/>
@@ -1987,7 +2405,7 @@
             <a:spLocks noGrp="1"/>
           </p:cNvSpPr>
           <p:nvPr>
-            <p:ph type="ftr" idx="2"/>
+            <p:ph type="ftr" idx="1"/>
           </p:nvPr>
         </p:nvSpPr>
         <p:spPr/>
@@ -2007,14 +2425,14 @@
             <a:spLocks noGrp="1"/>
           </p:cNvSpPr>
           <p:nvPr>
-            <p:ph type="sldNum" idx="3"/>
+            <p:ph type="sldNum" idx="2"/>
           </p:nvPr>
         </p:nvSpPr>
         <p:spPr/>
         <p:txBody>
           <a:bodyPr/>
           <a:p>
-            <a:fld id="{80C017F0-EB95-473F-94E0-3D5AC1ABCE61}" type="slidenum">
+            <a:fld id="{7A78839E-A6EF-49A1-97E9-B227CE376D66}" type="slidenum">
               <a:t>&lt;#&gt;</a:t>
             </a:fld>
           </a:p>
@@ -2027,7 +2445,7 @@
             <a:spLocks noGrp="1"/>
           </p:cNvSpPr>
           <p:nvPr>
-            <p:ph type="dt" idx="1"/>
+            <p:ph type="dt" idx="3"/>
           </p:nvPr>
         </p:nvSpPr>
         <p:spPr/>
@@ -2065,7 +2483,7 @@
       </p:grpSpPr>
       <p:sp>
         <p:nvSpPr>
-          <p:cNvPr id="22" name="PlaceHolder 1"/>
+          <p:cNvPr id="21" name="PlaceHolder 1"/>
           <p:cNvSpPr>
             <a:spLocks noGrp="1"/>
           </p:cNvSpPr>
@@ -2076,7 +2494,7 @@
         <p:spPr>
           <a:xfrm>
             <a:off x="504000" y="226080"/>
-            <a:ext cx="9071640" cy="946440"/>
+            <a:ext cx="9071280" cy="946080"/>
           </a:xfrm>
           <a:prstGeom prst="rect">
             <a:avLst/>
@@ -2102,7 +2520,7 @@
       </p:sp>
       <p:sp>
         <p:nvSpPr>
-          <p:cNvPr id="23" name="PlaceHolder 2"/>
+          <p:cNvPr id="22" name="PlaceHolder 2"/>
           <p:cNvSpPr>
             <a:spLocks noGrp="1"/>
           </p:cNvSpPr>
@@ -2113,7 +2531,7 @@
         <p:spPr>
           <a:xfrm>
             <a:off x="504000" y="1326600"/>
-            <a:ext cx="4426920" cy="1568160"/>
+            <a:ext cx="4426920" cy="1568520"/>
           </a:xfrm>
           <a:prstGeom prst="rect">
             <a:avLst/>
@@ -2136,7 +2554,7 @@
       </p:sp>
       <p:sp>
         <p:nvSpPr>
-          <p:cNvPr id="24" name="PlaceHolder 3"/>
+          <p:cNvPr id="23" name="PlaceHolder 3"/>
           <p:cNvSpPr>
             <a:spLocks noGrp="1"/>
           </p:cNvSpPr>
@@ -2147,7 +2565,7 @@
         <p:spPr>
           <a:xfrm>
             <a:off x="5152680" y="1326600"/>
-            <a:ext cx="4426920" cy="1568160"/>
+            <a:ext cx="4426920" cy="1568520"/>
           </a:xfrm>
           <a:prstGeom prst="rect">
             <a:avLst/>
@@ -2170,7 +2588,7 @@
       </p:sp>
       <p:sp>
         <p:nvSpPr>
-          <p:cNvPr id="25" name="PlaceHolder 4"/>
+          <p:cNvPr id="24" name="PlaceHolder 4"/>
           <p:cNvSpPr>
             <a:spLocks noGrp="1"/>
           </p:cNvSpPr>
@@ -2180,8 +2598,8 @@
         </p:nvSpPr>
         <p:spPr>
           <a:xfrm>
-            <a:off x="504000" y="3044160"/>
-            <a:ext cx="9071640" cy="1568160"/>
+            <a:off x="504000" y="3044520"/>
+            <a:ext cx="9072000" cy="1568520"/>
           </a:xfrm>
           <a:prstGeom prst="rect">
             <a:avLst/>
@@ -2209,7 +2627,7 @@
             <a:spLocks noGrp="1"/>
           </p:cNvSpPr>
           <p:nvPr>
-            <p:ph type="ftr" idx="2"/>
+            <p:ph type="ftr" idx="1"/>
           </p:nvPr>
         </p:nvSpPr>
         <p:spPr/>
@@ -2229,14 +2647,14 @@
             <a:spLocks noGrp="1"/>
           </p:cNvSpPr>
           <p:nvPr>
-            <p:ph type="sldNum" idx="3"/>
+            <p:ph type="sldNum" idx="2"/>
           </p:nvPr>
         </p:nvSpPr>
         <p:spPr/>
         <p:txBody>
           <a:bodyPr/>
           <a:p>
-            <a:fld id="{4FFAF93C-F552-4EE7-A827-6C942C3B2D02}" type="slidenum">
+            <a:fld id="{7418966C-D3A6-48C4-843B-81A7B46E0C74}" type="slidenum">
               <a:t>&lt;#&gt;</a:t>
             </a:fld>
           </a:p>
@@ -2249,7 +2667,7 @@
             <a:spLocks noGrp="1"/>
           </p:cNvSpPr>
           <p:nvPr>
-            <p:ph type="dt" idx="1"/>
+            <p:ph type="dt" idx="3"/>
           </p:nvPr>
         </p:nvSpPr>
         <p:spPr/>
@@ -2298,7 +2716,7 @@
         <p:spPr>
           <a:xfrm>
             <a:off x="504000" y="226080"/>
-            <a:ext cx="9071640" cy="946440"/>
+            <a:ext cx="9071280" cy="946080"/>
           </a:xfrm>
           <a:prstGeom prst="rect">
             <a:avLst/>
@@ -2313,16 +2731,13 @@
             <a:noAutofit/>
           </a:bodyPr>
           <a:p>
-            <a:pPr algn="ctr">
-              <a:buNone/>
-            </a:pPr>
             <a:r>
-              <a:rPr b="0" lang="en-US" sz="4400" spc="-1" strike="noStrike">
+              <a:rPr b="0" lang="en-US" sz="1800" spc="-1" strike="noStrike">
                 <a:latin typeface="Arial"/>
               </a:rPr>
               <a:t>Click to edit the title text format</a:t>
             </a:r>
-            <a:endParaRPr b="0" lang="en-US" sz="4400" spc="-1" strike="noStrike">
+            <a:endParaRPr b="0" lang="en-US" sz="1800" spc="-1" strike="noStrike">
               <a:latin typeface="Arial"/>
             </a:endParaRPr>
           </a:p>
@@ -2335,196 +2750,13 @@
             <a:spLocks noGrp="1"/>
           </p:cNvSpPr>
           <p:nvPr>
-            <p:ph type="body"/>
-          </p:nvPr>
-        </p:nvSpPr>
-        <p:spPr>
-          <a:xfrm>
-            <a:off x="504000" y="1326600"/>
-            <a:ext cx="9071640" cy="3288240"/>
-          </a:xfrm>
-          <a:prstGeom prst="rect">
-            <a:avLst/>
-          </a:prstGeom>
-          <a:noFill/>
-          <a:ln w="0">
-            <a:noFill/>
-          </a:ln>
-        </p:spPr>
-        <p:txBody>
-          <a:bodyPr lIns="0" rIns="0" tIns="0" bIns="0" anchor="t">
-            <a:normAutofit/>
-          </a:bodyPr>
-          <a:p>
-            <a:pPr marL="432000" indent="-324000">
-              <a:spcBef>
-                <a:spcPts val="1417"/>
-              </a:spcBef>
-              <a:buClr>
-                <a:srgbClr val="000000"/>
-              </a:buClr>
-              <a:buSzPct val="45000"/>
-              <a:buFont typeface="Wingdings" charset="2"/>
-              <a:buChar char=""/>
-            </a:pPr>
-            <a:r>
-              <a:rPr b="0" lang="en-US" sz="3200" spc="-1" strike="noStrike">
-                <a:latin typeface="Arial"/>
-              </a:rPr>
-              <a:t>Click to edit the outline text format</a:t>
-            </a:r>
-            <a:endParaRPr b="0" lang="en-US" sz="3200" spc="-1" strike="noStrike">
-              <a:latin typeface="Arial"/>
-            </a:endParaRPr>
-          </a:p>
-          <a:p>
-            <a:pPr lvl="1" marL="864000" indent="-324000">
-              <a:spcBef>
-                <a:spcPts val="1134"/>
-              </a:spcBef>
-              <a:buClr>
-                <a:srgbClr val="000000"/>
-              </a:buClr>
-              <a:buSzPct val="75000"/>
-              <a:buFont typeface="Symbol" charset="2"/>
-              <a:buChar char=""/>
-            </a:pPr>
-            <a:r>
-              <a:rPr b="0" lang="en-US" sz="2800" spc="-1" strike="noStrike">
-                <a:latin typeface="Arial"/>
-              </a:rPr>
-              <a:t>Second Outline Level</a:t>
-            </a:r>
-            <a:endParaRPr b="0" lang="en-US" sz="2800" spc="-1" strike="noStrike">
-              <a:latin typeface="Arial"/>
-            </a:endParaRPr>
-          </a:p>
-          <a:p>
-            <a:pPr lvl="2" marL="1296000" indent="-288000">
-              <a:spcBef>
-                <a:spcPts val="850"/>
-              </a:spcBef>
-              <a:buClr>
-                <a:srgbClr val="000000"/>
-              </a:buClr>
-              <a:buSzPct val="45000"/>
-              <a:buFont typeface="Wingdings" charset="2"/>
-              <a:buChar char=""/>
-            </a:pPr>
-            <a:r>
-              <a:rPr b="0" lang="en-US" sz="2400" spc="-1" strike="noStrike">
-                <a:latin typeface="Arial"/>
-              </a:rPr>
-              <a:t>Third Outline Level</a:t>
-            </a:r>
-            <a:endParaRPr b="0" lang="en-US" sz="2400" spc="-1" strike="noStrike">
-              <a:latin typeface="Arial"/>
-            </a:endParaRPr>
-          </a:p>
-          <a:p>
-            <a:pPr lvl="3" marL="1728000" indent="-216000">
-              <a:spcBef>
-                <a:spcPts val="567"/>
-              </a:spcBef>
-              <a:buClr>
-                <a:srgbClr val="000000"/>
-              </a:buClr>
-              <a:buSzPct val="75000"/>
-              <a:buFont typeface="Symbol" charset="2"/>
-              <a:buChar char=""/>
-            </a:pPr>
-            <a:r>
-              <a:rPr b="0" lang="en-US" sz="2000" spc="-1" strike="noStrike">
-                <a:latin typeface="Arial"/>
-              </a:rPr>
-              <a:t>Fourth Outline Level</a:t>
-            </a:r>
-            <a:endParaRPr b="0" lang="en-US" sz="2000" spc="-1" strike="noStrike">
-              <a:latin typeface="Arial"/>
-            </a:endParaRPr>
-          </a:p>
-          <a:p>
-            <a:pPr lvl="4" marL="2160000" indent="-216000">
-              <a:spcBef>
-                <a:spcPts val="283"/>
-              </a:spcBef>
-              <a:buClr>
-                <a:srgbClr val="000000"/>
-              </a:buClr>
-              <a:buSzPct val="45000"/>
-              <a:buFont typeface="Wingdings" charset="2"/>
-              <a:buChar char=""/>
-            </a:pPr>
-            <a:r>
-              <a:rPr b="0" lang="en-US" sz="2000" spc="-1" strike="noStrike">
-                <a:latin typeface="Arial"/>
-              </a:rPr>
-              <a:t>Fifth Outline Level</a:t>
-            </a:r>
-            <a:endParaRPr b="0" lang="en-US" sz="2000" spc="-1" strike="noStrike">
-              <a:latin typeface="Arial"/>
-            </a:endParaRPr>
-          </a:p>
-          <a:p>
-            <a:pPr lvl="5" marL="2592000" indent="-216000">
-              <a:spcBef>
-                <a:spcPts val="283"/>
-              </a:spcBef>
-              <a:buClr>
-                <a:srgbClr val="000000"/>
-              </a:buClr>
-              <a:buSzPct val="45000"/>
-              <a:buFont typeface="Wingdings" charset="2"/>
-              <a:buChar char=""/>
-            </a:pPr>
-            <a:r>
-              <a:rPr b="0" lang="en-US" sz="2000" spc="-1" strike="noStrike">
-                <a:latin typeface="Arial"/>
-              </a:rPr>
-              <a:t>Sixth Outline Level</a:t>
-            </a:r>
-            <a:endParaRPr b="0" lang="en-US" sz="2000" spc="-1" strike="noStrike">
-              <a:latin typeface="Arial"/>
-            </a:endParaRPr>
-          </a:p>
-          <a:p>
-            <a:pPr lvl="6" marL="3024000" indent="-216000">
-              <a:spcBef>
-                <a:spcPts val="283"/>
-              </a:spcBef>
-              <a:buClr>
-                <a:srgbClr val="000000"/>
-              </a:buClr>
-              <a:buSzPct val="45000"/>
-              <a:buFont typeface="Wingdings" charset="2"/>
-              <a:buChar char=""/>
-            </a:pPr>
-            <a:r>
-              <a:rPr b="0" lang="en-US" sz="2000" spc="-1" strike="noStrike">
-                <a:latin typeface="Arial"/>
-              </a:rPr>
-              <a:t>Seventh Outline Level</a:t>
-            </a:r>
-            <a:endParaRPr b="0" lang="en-US" sz="2000" spc="-1" strike="noStrike">
-              <a:latin typeface="Arial"/>
-            </a:endParaRPr>
-          </a:p>
-        </p:txBody>
-      </p:sp>
-      <p:sp>
-        <p:nvSpPr>
-          <p:cNvPr id="2" name="PlaceHolder 3"/>
-          <p:cNvSpPr>
-            <a:spLocks noGrp="1"/>
-          </p:cNvSpPr>
-          <p:nvPr>
-            <p:ph type="dt" idx="1"/>
-          </p:nvPr>
-        </p:nvSpPr>
-        <p:spPr>
-          <a:xfrm>
-            <a:off x="504000" y="5165280"/>
-            <a:ext cx="2348280" cy="390600"/>
+            <p:ph type="ftr" idx="1"/>
+          </p:nvPr>
+        </p:nvSpPr>
+        <p:spPr>
+          <a:xfrm>
+            <a:off x="3447360" y="5165280"/>
+            <a:ext cx="3194640" cy="390240"/>
           </a:xfrm>
           <a:prstGeom prst="rect">
             <a:avLst/>
@@ -2539,54 +2771,10 @@
             <a:noAutofit/>
           </a:bodyPr>
           <a:lstStyle>
-            <a:lvl1pPr>
-              <a:defRPr b="0" lang="en-US" sz="1400" spc="-1" strike="noStrike">
-                <a:latin typeface="Times New Roman"/>
-              </a:defRPr>
-            </a:lvl1pPr>
-          </a:lstStyle>
-          <a:p>
-            <a:r>
-              <a:rPr b="0" lang="en-US" sz="1400" spc="-1" strike="noStrike">
-                <a:latin typeface="Times New Roman"/>
-              </a:rPr>
-              <a:t>&lt;date/time&gt;</a:t>
-            </a:r>
-            <a:endParaRPr b="0" lang="en-US" sz="1400" spc="-1" strike="noStrike">
-              <a:latin typeface="Times New Roman"/>
-            </a:endParaRPr>
-          </a:p>
-        </p:txBody>
-      </p:sp>
-      <p:sp>
-        <p:nvSpPr>
-          <p:cNvPr id="3" name="PlaceHolder 4"/>
-          <p:cNvSpPr>
-            <a:spLocks noGrp="1"/>
-          </p:cNvSpPr>
-          <p:nvPr>
-            <p:ph type="ftr" idx="2"/>
-          </p:nvPr>
-        </p:nvSpPr>
-        <p:spPr>
-          <a:xfrm>
-            <a:off x="3447360" y="5165280"/>
-            <a:ext cx="3195000" cy="390600"/>
-          </a:xfrm>
-          <a:prstGeom prst="rect">
-            <a:avLst/>
-          </a:prstGeom>
-          <a:noFill/>
-          <a:ln w="0">
-            <a:noFill/>
-          </a:ln>
-        </p:spPr>
-        <p:txBody>
-          <a:bodyPr lIns="0" rIns="0" tIns="0" bIns="0" anchor="t">
-            <a:noAutofit/>
-          </a:bodyPr>
-          <a:lstStyle>
             <a:lvl1pPr algn="ctr">
+              <a:lnSpc>
+                <a:spcPct val="100000"/>
+              </a:lnSpc>
               <a:buNone/>
               <a:defRPr b="0" lang="en-US" sz="1400" spc="-1" strike="noStrike">
                 <a:latin typeface="Times New Roman"/>
@@ -2595,6 +2783,9 @@
           </a:lstStyle>
           <a:p>
             <a:pPr algn="ctr">
+              <a:lnSpc>
+                <a:spcPct val="100000"/>
+              </a:lnSpc>
               <a:buNone/>
             </a:pPr>
             <a:r>
@@ -2611,18 +2802,18 @@
       </p:sp>
       <p:sp>
         <p:nvSpPr>
-          <p:cNvPr id="4" name="PlaceHolder 5"/>
-          <p:cNvSpPr>
-            <a:spLocks noGrp="1"/>
-          </p:cNvSpPr>
-          <p:nvPr>
-            <p:ph type="sldNum" idx="3"/>
+          <p:cNvPr id="2" name="PlaceHolder 3"/>
+          <p:cNvSpPr>
+            <a:spLocks noGrp="1"/>
+          </p:cNvSpPr>
+          <p:nvPr>
+            <p:ph type="sldNum" idx="2"/>
           </p:nvPr>
         </p:nvSpPr>
         <p:spPr>
           <a:xfrm>
             <a:off x="7227360" y="5165280"/>
-            <a:ext cx="2348280" cy="390600"/>
+            <a:ext cx="2347920" cy="390240"/>
           </a:xfrm>
           <a:prstGeom prst="rect">
             <a:avLst/>
@@ -2638,6 +2829,9 @@
           </a:bodyPr>
           <a:lstStyle>
             <a:lvl1pPr algn="r">
+              <a:lnSpc>
+                <a:spcPct val="100000"/>
+              </a:lnSpc>
               <a:buNone/>
               <a:defRPr b="0" lang="en-US" sz="1400" spc="-1" strike="noStrike">
                 <a:latin typeface="Times New Roman"/>
@@ -2646,14 +2840,64 @@
           </a:lstStyle>
           <a:p>
             <a:pPr algn="r">
+              <a:lnSpc>
+                <a:spcPct val="100000"/>
+              </a:lnSpc>
               <a:buNone/>
             </a:pPr>
-            <a:fld id="{F21AC38B-DE23-4CCD-8205-3C5A4A95E0B6}" type="slidenum">
+            <a:fld id="{477B8244-5FB4-45EF-AA55-1F2E2C56F001}" type="slidenum">
               <a:rPr b="0" lang="en-US" sz="1400" spc="-1" strike="noStrike">
                 <a:latin typeface="Times New Roman"/>
               </a:rPr>
               <a:t>&lt;number&gt;</a:t>
             </a:fld>
+            <a:endParaRPr b="0" lang="en-US" sz="1400" spc="-1" strike="noStrike">
+              <a:latin typeface="Times New Roman"/>
+            </a:endParaRPr>
+          </a:p>
+        </p:txBody>
+      </p:sp>
+      <p:sp>
+        <p:nvSpPr>
+          <p:cNvPr id="3" name="PlaceHolder 4"/>
+          <p:cNvSpPr>
+            <a:spLocks noGrp="1"/>
+          </p:cNvSpPr>
+          <p:nvPr>
+            <p:ph type="dt" idx="3"/>
+          </p:nvPr>
+        </p:nvSpPr>
+        <p:spPr>
+          <a:xfrm>
+            <a:off x="504000" y="5165280"/>
+            <a:ext cx="2347920" cy="390240"/>
+          </a:xfrm>
+          <a:prstGeom prst="rect">
+            <a:avLst/>
+          </a:prstGeom>
+          <a:noFill/>
+          <a:ln w="0">
+            <a:noFill/>
+          </a:ln>
+        </p:spPr>
+        <p:txBody>
+          <a:bodyPr lIns="0" rIns="0" tIns="0" bIns="0" anchor="t">
+            <a:noAutofit/>
+          </a:bodyPr>
+          <a:lstStyle>
+            <a:lvl1pPr>
+              <a:defRPr b="0" lang="en-US" sz="1400" spc="-1" strike="noStrike">
+                <a:latin typeface="Times New Roman"/>
+              </a:defRPr>
+            </a:lvl1pPr>
+          </a:lstStyle>
+          <a:p>
+            <a:r>
+              <a:rPr b="0" lang="en-US" sz="1400" spc="-1" strike="noStrike">
+                <a:latin typeface="Times New Roman"/>
+              </a:rPr>
+              <a:t>&lt;date/time&gt;</a:t>
+            </a:r>
             <a:endParaRPr b="0" lang="en-US" sz="1400" spc="-1" strike="noStrike">
               <a:latin typeface="Times New Roman"/>
             </a:endParaRPr>
@@ -2699,14 +2943,14 @@
       </p:grpSpPr>
       <p:sp>
         <p:nvSpPr>
-          <p:cNvPr id="41" name=""/>
+          <p:cNvPr id="46" name=""/>
           <p:cNvSpPr/>
           <p:nvPr/>
         </p:nvSpPr>
         <p:spPr>
           <a:xfrm>
             <a:off x="448200" y="1947600"/>
-            <a:ext cx="457200" cy="457200"/>
+            <a:ext cx="456840" cy="456840"/>
           </a:xfrm>
           <a:prstGeom prst="rect">
             <a:avLst/>
@@ -2728,14 +2972,14 @@
       </p:sp>
       <p:sp>
         <p:nvSpPr>
-          <p:cNvPr id="42" name=""/>
+          <p:cNvPr id="47" name=""/>
           <p:cNvSpPr/>
           <p:nvPr/>
         </p:nvSpPr>
         <p:spPr>
           <a:xfrm>
             <a:off x="1168200" y="1947600"/>
-            <a:ext cx="457200" cy="457200"/>
+            <a:ext cx="456840" cy="456840"/>
           </a:xfrm>
           <a:prstGeom prst="rect">
             <a:avLst/>
@@ -2757,14 +3001,14 @@
       </p:sp>
       <p:sp>
         <p:nvSpPr>
-          <p:cNvPr id="43" name=""/>
+          <p:cNvPr id="48" name=""/>
           <p:cNvSpPr/>
           <p:nvPr/>
         </p:nvSpPr>
         <p:spPr>
           <a:xfrm>
             <a:off x="1888200" y="1947600"/>
-            <a:ext cx="457200" cy="457200"/>
+            <a:ext cx="456840" cy="456840"/>
           </a:xfrm>
           <a:prstGeom prst="rect">
             <a:avLst/>
@@ -2786,14 +3030,14 @@
       </p:sp>
       <p:sp>
         <p:nvSpPr>
-          <p:cNvPr id="44" name=""/>
+          <p:cNvPr id="49" name=""/>
           <p:cNvSpPr/>
           <p:nvPr/>
         </p:nvSpPr>
         <p:spPr>
           <a:xfrm>
             <a:off x="2644200" y="1947600"/>
-            <a:ext cx="457200" cy="457200"/>
+            <a:ext cx="456840" cy="456840"/>
           </a:xfrm>
           <a:prstGeom prst="rect">
             <a:avLst/>
@@ -2815,14 +3059,14 @@
       </p:sp>
       <p:sp>
         <p:nvSpPr>
-          <p:cNvPr id="45" name=""/>
+          <p:cNvPr id="50" name=""/>
           <p:cNvSpPr/>
           <p:nvPr/>
         </p:nvSpPr>
         <p:spPr>
           <a:xfrm>
             <a:off x="3400200" y="1947600"/>
-            <a:ext cx="457200" cy="457200"/>
+            <a:ext cx="456840" cy="456840"/>
           </a:xfrm>
           <a:prstGeom prst="rect">
             <a:avLst/>
@@ -2844,28 +3088,40 @@
       </p:sp>
       <p:sp>
         <p:nvSpPr>
-          <p:cNvPr id="46" name=""/>
-          <p:cNvSpPr txBox="1"/>
+          <p:cNvPr id="51" name=""/>
+          <p:cNvSpPr/>
           <p:nvPr/>
         </p:nvSpPr>
         <p:spPr>
           <a:xfrm>
             <a:off x="520200" y="1490400"/>
-            <a:ext cx="457200" cy="402840"/>
-          </a:xfrm>
-          <a:prstGeom prst="rect">
-            <a:avLst/>
-          </a:prstGeom>
-          <a:noFill/>
-          <a:ln w="0">
-            <a:noFill/>
-          </a:ln>
-        </p:spPr>
+            <a:ext cx="456840" cy="402480"/>
+          </a:xfrm>
+          <a:prstGeom prst="rect">
+            <a:avLst/>
+          </a:prstGeom>
+          <a:noFill/>
+          <a:ln w="0">
+            <a:noFill/>
+          </a:ln>
+        </p:spPr>
+        <p:style>
+          <a:lnRef idx="0"/>
+          <a:fillRef idx="0"/>
+          <a:effectRef idx="0"/>
+          <a:fontRef idx="minor"/>
+        </p:style>
         <p:txBody>
           <a:bodyPr lIns="90000" rIns="90000" tIns="45000" bIns="45000" anchor="t">
             <a:noAutofit/>
           </a:bodyPr>
           <a:p>
+            <a:pPr>
+              <a:lnSpc>
+                <a:spcPct val="100000"/>
+              </a:lnSpc>
+              <a:buNone/>
+            </a:pPr>
             <a:r>
               <a:rPr b="0" lang="en-US" sz="2200" spc="-1" strike="noStrike">
                 <a:latin typeface="Arial"/>
@@ -2880,28 +3136,40 @@
       </p:sp>
       <p:sp>
         <p:nvSpPr>
-          <p:cNvPr id="47" name=""/>
-          <p:cNvSpPr txBox="1"/>
+          <p:cNvPr id="52" name=""/>
+          <p:cNvSpPr/>
           <p:nvPr/>
         </p:nvSpPr>
         <p:spPr>
           <a:xfrm>
             <a:off x="1240200" y="1490760"/>
-            <a:ext cx="457200" cy="402840"/>
-          </a:xfrm>
-          <a:prstGeom prst="rect">
-            <a:avLst/>
-          </a:prstGeom>
-          <a:noFill/>
-          <a:ln w="0">
-            <a:noFill/>
-          </a:ln>
-        </p:spPr>
+            <a:ext cx="456840" cy="402480"/>
+          </a:xfrm>
+          <a:prstGeom prst="rect">
+            <a:avLst/>
+          </a:prstGeom>
+          <a:noFill/>
+          <a:ln w="0">
+            <a:noFill/>
+          </a:ln>
+        </p:spPr>
+        <p:style>
+          <a:lnRef idx="0"/>
+          <a:fillRef idx="0"/>
+          <a:effectRef idx="0"/>
+          <a:fontRef idx="minor"/>
+        </p:style>
         <p:txBody>
           <a:bodyPr lIns="90000" rIns="90000" tIns="45000" bIns="45000" anchor="t">
             <a:noAutofit/>
           </a:bodyPr>
           <a:p>
+            <a:pPr>
+              <a:lnSpc>
+                <a:spcPct val="100000"/>
+              </a:lnSpc>
+              <a:buNone/>
+            </a:pPr>
             <a:r>
               <a:rPr b="0" lang="en-US" sz="2200" spc="-1" strike="noStrike">
                 <a:latin typeface="Arial"/>
@@ -2916,28 +3184,40 @@
       </p:sp>
       <p:sp>
         <p:nvSpPr>
-          <p:cNvPr id="48" name=""/>
-          <p:cNvSpPr txBox="1"/>
+          <p:cNvPr id="53" name=""/>
+          <p:cNvSpPr/>
           <p:nvPr/>
         </p:nvSpPr>
         <p:spPr>
           <a:xfrm>
             <a:off x="1960200" y="1491120"/>
-            <a:ext cx="457200" cy="402840"/>
-          </a:xfrm>
-          <a:prstGeom prst="rect">
-            <a:avLst/>
-          </a:prstGeom>
-          <a:noFill/>
-          <a:ln w="0">
-            <a:noFill/>
-          </a:ln>
-        </p:spPr>
+            <a:ext cx="456840" cy="402480"/>
+          </a:xfrm>
+          <a:prstGeom prst="rect">
+            <a:avLst/>
+          </a:prstGeom>
+          <a:noFill/>
+          <a:ln w="0">
+            <a:noFill/>
+          </a:ln>
+        </p:spPr>
+        <p:style>
+          <a:lnRef idx="0"/>
+          <a:fillRef idx="0"/>
+          <a:effectRef idx="0"/>
+          <a:fontRef idx="minor"/>
+        </p:style>
         <p:txBody>
           <a:bodyPr lIns="90000" rIns="90000" tIns="45000" bIns="45000" anchor="t">
             <a:noAutofit/>
           </a:bodyPr>
           <a:p>
+            <a:pPr>
+              <a:lnSpc>
+                <a:spcPct val="100000"/>
+              </a:lnSpc>
+              <a:buNone/>
+            </a:pPr>
             <a:r>
               <a:rPr b="0" lang="en-US" sz="2200" spc="-1" strike="noStrike">
                 <a:latin typeface="Arial"/>
@@ -2952,28 +3232,40 @@
       </p:sp>
       <p:sp>
         <p:nvSpPr>
-          <p:cNvPr id="49" name=""/>
-          <p:cNvSpPr txBox="1"/>
+          <p:cNvPr id="54" name=""/>
+          <p:cNvSpPr/>
           <p:nvPr/>
         </p:nvSpPr>
         <p:spPr>
           <a:xfrm>
             <a:off x="2716200" y="1491480"/>
-            <a:ext cx="457200" cy="402840"/>
-          </a:xfrm>
-          <a:prstGeom prst="rect">
-            <a:avLst/>
-          </a:prstGeom>
-          <a:noFill/>
-          <a:ln w="0">
-            <a:noFill/>
-          </a:ln>
-        </p:spPr>
+            <a:ext cx="456840" cy="402480"/>
+          </a:xfrm>
+          <a:prstGeom prst="rect">
+            <a:avLst/>
+          </a:prstGeom>
+          <a:noFill/>
+          <a:ln w="0">
+            <a:noFill/>
+          </a:ln>
+        </p:spPr>
+        <p:style>
+          <a:lnRef idx="0"/>
+          <a:fillRef idx="0"/>
+          <a:effectRef idx="0"/>
+          <a:fontRef idx="minor"/>
+        </p:style>
         <p:txBody>
           <a:bodyPr lIns="90000" rIns="90000" tIns="45000" bIns="45000" anchor="t">
             <a:noAutofit/>
           </a:bodyPr>
           <a:p>
+            <a:pPr>
+              <a:lnSpc>
+                <a:spcPct val="100000"/>
+              </a:lnSpc>
+              <a:buNone/>
+            </a:pPr>
             <a:r>
               <a:rPr b="0" lang="en-US" sz="2200" spc="-1" strike="noStrike">
                 <a:latin typeface="Arial"/>
@@ -2988,28 +3280,40 @@
       </p:sp>
       <p:sp>
         <p:nvSpPr>
-          <p:cNvPr id="50" name=""/>
-          <p:cNvSpPr txBox="1"/>
+          <p:cNvPr id="55" name=""/>
+          <p:cNvSpPr/>
           <p:nvPr/>
         </p:nvSpPr>
         <p:spPr>
           <a:xfrm>
             <a:off x="3400200" y="1491840"/>
-            <a:ext cx="457200" cy="402840"/>
-          </a:xfrm>
-          <a:prstGeom prst="rect">
-            <a:avLst/>
-          </a:prstGeom>
-          <a:noFill/>
-          <a:ln w="0">
-            <a:noFill/>
-          </a:ln>
-        </p:spPr>
+            <a:ext cx="456840" cy="402480"/>
+          </a:xfrm>
+          <a:prstGeom prst="rect">
+            <a:avLst/>
+          </a:prstGeom>
+          <a:noFill/>
+          <a:ln w="0">
+            <a:noFill/>
+          </a:ln>
+        </p:spPr>
+        <p:style>
+          <a:lnRef idx="0"/>
+          <a:fillRef idx="0"/>
+          <a:effectRef idx="0"/>
+          <a:fontRef idx="minor"/>
+        </p:style>
         <p:txBody>
           <a:bodyPr lIns="90000" rIns="90000" tIns="45000" bIns="45000" anchor="t">
             <a:noAutofit/>
           </a:bodyPr>
           <a:p>
+            <a:pPr>
+              <a:lnSpc>
+                <a:spcPct val="100000"/>
+              </a:lnSpc>
+              <a:buNone/>
+            </a:pPr>
             <a:r>
               <a:rPr b="0" lang="en-US" sz="2200" spc="-1" strike="noStrike">
                 <a:latin typeface="Arial"/>
@@ -3024,14 +3328,14 @@
       </p:sp>
       <p:sp>
         <p:nvSpPr>
-          <p:cNvPr id="51" name=""/>
+          <p:cNvPr id="56" name=""/>
           <p:cNvSpPr/>
           <p:nvPr/>
         </p:nvSpPr>
         <p:spPr>
           <a:xfrm>
             <a:off x="448200" y="2703600"/>
-            <a:ext cx="457200" cy="457200"/>
+            <a:ext cx="456840" cy="456840"/>
           </a:xfrm>
           <a:prstGeom prst="rect">
             <a:avLst/>
@@ -3053,14 +3357,14 @@
       </p:sp>
       <p:sp>
         <p:nvSpPr>
-          <p:cNvPr id="52" name=""/>
+          <p:cNvPr id="57" name=""/>
           <p:cNvSpPr/>
           <p:nvPr/>
         </p:nvSpPr>
         <p:spPr>
           <a:xfrm>
             <a:off x="1168200" y="2703600"/>
-            <a:ext cx="457200" cy="457200"/>
+            <a:ext cx="456840" cy="456840"/>
           </a:xfrm>
           <a:prstGeom prst="rect">
             <a:avLst/>
@@ -3082,14 +3386,14 @@
       </p:sp>
       <p:sp>
         <p:nvSpPr>
-          <p:cNvPr id="53" name=""/>
+          <p:cNvPr id="58" name=""/>
           <p:cNvSpPr/>
           <p:nvPr/>
         </p:nvSpPr>
         <p:spPr>
           <a:xfrm>
             <a:off x="1888200" y="2703600"/>
-            <a:ext cx="457200" cy="457200"/>
+            <a:ext cx="456840" cy="456840"/>
           </a:xfrm>
           <a:prstGeom prst="rect">
             <a:avLst/>
@@ -3111,14 +3415,14 @@
       </p:sp>
       <p:sp>
         <p:nvSpPr>
-          <p:cNvPr id="54" name=""/>
+          <p:cNvPr id="59" name=""/>
           <p:cNvSpPr/>
           <p:nvPr/>
         </p:nvSpPr>
         <p:spPr>
           <a:xfrm>
             <a:off x="2644200" y="2703600"/>
-            <a:ext cx="457200" cy="457200"/>
+            <a:ext cx="456840" cy="456840"/>
           </a:xfrm>
           <a:prstGeom prst="rect">
             <a:avLst/>
@@ -3140,14 +3444,14 @@
       </p:sp>
       <p:sp>
         <p:nvSpPr>
-          <p:cNvPr id="55" name=""/>
+          <p:cNvPr id="60" name=""/>
           <p:cNvSpPr/>
           <p:nvPr/>
         </p:nvSpPr>
         <p:spPr>
           <a:xfrm>
             <a:off x="3400200" y="2703600"/>
-            <a:ext cx="457200" cy="457200"/>
+            <a:ext cx="456840" cy="456840"/>
           </a:xfrm>
           <a:prstGeom prst="rect">
             <a:avLst/>
@@ -3169,14 +3473,14 @@
       </p:sp>
       <p:sp>
         <p:nvSpPr>
-          <p:cNvPr id="56" name=""/>
+          <p:cNvPr id="61" name=""/>
           <p:cNvSpPr/>
           <p:nvPr/>
         </p:nvSpPr>
         <p:spPr>
           <a:xfrm>
             <a:off x="3983400" y="2682000"/>
-            <a:ext cx="246960" cy="557640"/>
+            <a:ext cx="246600" cy="557280"/>
           </a:xfrm>
           <a:custGeom>
             <a:avLst/>
@@ -3226,28 +3530,40 @@
       </p:sp>
       <p:sp>
         <p:nvSpPr>
-          <p:cNvPr id="57" name=""/>
-          <p:cNvSpPr txBox="1"/>
+          <p:cNvPr id="62" name=""/>
+          <p:cNvSpPr/>
           <p:nvPr/>
         </p:nvSpPr>
         <p:spPr>
           <a:xfrm>
             <a:off x="4287600" y="2718000"/>
-            <a:ext cx="5904000" cy="770040"/>
-          </a:xfrm>
-          <a:prstGeom prst="rect">
-            <a:avLst/>
-          </a:prstGeom>
-          <a:noFill/>
-          <a:ln w="0">
-            <a:noFill/>
-          </a:ln>
-        </p:spPr>
+            <a:ext cx="5903640" cy="769680"/>
+          </a:xfrm>
+          <a:prstGeom prst="rect">
+            <a:avLst/>
+          </a:prstGeom>
+          <a:noFill/>
+          <a:ln w="0">
+            <a:noFill/>
+          </a:ln>
+        </p:spPr>
+        <p:style>
+          <a:lnRef idx="0"/>
+          <a:fillRef idx="0"/>
+          <a:effectRef idx="0"/>
+          <a:fontRef idx="minor"/>
+        </p:style>
         <p:txBody>
           <a:bodyPr lIns="90000" rIns="90000" tIns="45000" bIns="45000" anchor="t">
             <a:noAutofit/>
           </a:bodyPr>
           <a:p>
+            <a:pPr>
+              <a:lnSpc>
+                <a:spcPct val="100000"/>
+              </a:lnSpc>
+              <a:buNone/>
+            </a:pPr>
             <a:r>
               <a:rPr b="0" lang="en-US" sz="2400" spc="-1" strike="noStrike">
                 <a:latin typeface="Arial"/>
@@ -3262,14 +3578,14 @@
       </p:sp>
       <p:sp>
         <p:nvSpPr>
-          <p:cNvPr id="58" name=""/>
+          <p:cNvPr id="63" name=""/>
           <p:cNvSpPr/>
           <p:nvPr/>
         </p:nvSpPr>
         <p:spPr>
           <a:xfrm>
             <a:off x="1168200" y="1947600"/>
-            <a:ext cx="457200" cy="457200"/>
+            <a:ext cx="456840" cy="456840"/>
           </a:xfrm>
           <a:prstGeom prst="rect">
             <a:avLst/>
@@ -3291,14 +3607,14 @@
       </p:sp>
       <p:sp>
         <p:nvSpPr>
-          <p:cNvPr id="59" name=""/>
+          <p:cNvPr id="64" name=""/>
           <p:cNvSpPr/>
           <p:nvPr/>
         </p:nvSpPr>
         <p:spPr>
           <a:xfrm>
             <a:off x="448200" y="3423600"/>
-            <a:ext cx="457200" cy="457200"/>
+            <a:ext cx="456840" cy="456840"/>
           </a:xfrm>
           <a:prstGeom prst="rect">
             <a:avLst/>
@@ -3320,14 +3636,14 @@
       </p:sp>
       <p:sp>
         <p:nvSpPr>
-          <p:cNvPr id="60" name=""/>
+          <p:cNvPr id="65" name=""/>
           <p:cNvSpPr/>
           <p:nvPr/>
         </p:nvSpPr>
         <p:spPr>
           <a:xfrm>
             <a:off x="1168200" y="3423600"/>
-            <a:ext cx="457200" cy="457200"/>
+            <a:ext cx="456840" cy="456840"/>
           </a:xfrm>
           <a:prstGeom prst="rect">
             <a:avLst/>
@@ -3351,14 +3667,14 @@
       </p:sp>
       <p:sp>
         <p:nvSpPr>
-          <p:cNvPr id="61" name=""/>
+          <p:cNvPr id="66" name=""/>
           <p:cNvSpPr/>
           <p:nvPr/>
         </p:nvSpPr>
         <p:spPr>
           <a:xfrm>
             <a:off x="1888200" y="3423600"/>
-            <a:ext cx="457200" cy="457200"/>
+            <a:ext cx="456840" cy="456840"/>
           </a:xfrm>
           <a:prstGeom prst="rect">
             <a:avLst/>
@@ -3380,14 +3696,14 @@
       </p:sp>
       <p:sp>
         <p:nvSpPr>
-          <p:cNvPr id="62" name=""/>
+          <p:cNvPr id="67" name=""/>
           <p:cNvSpPr/>
           <p:nvPr/>
         </p:nvSpPr>
         <p:spPr>
           <a:xfrm>
             <a:off x="2644200" y="3423600"/>
-            <a:ext cx="457200" cy="457200"/>
+            <a:ext cx="456840" cy="456840"/>
           </a:xfrm>
           <a:prstGeom prst="rect">
             <a:avLst/>
@@ -3409,14 +3725,14 @@
       </p:sp>
       <p:sp>
         <p:nvSpPr>
-          <p:cNvPr id="63" name=""/>
+          <p:cNvPr id="68" name=""/>
           <p:cNvSpPr/>
           <p:nvPr/>
         </p:nvSpPr>
         <p:spPr>
           <a:xfrm>
             <a:off x="3400200" y="3423600"/>
-            <a:ext cx="457200" cy="457200"/>
+            <a:ext cx="456840" cy="456840"/>
           </a:xfrm>
           <a:prstGeom prst="rect">
             <a:avLst/>
@@ -3438,33 +3754,45 @@
       </p:sp>
       <p:sp>
         <p:nvSpPr>
-          <p:cNvPr id="64" name=""/>
-          <p:cNvSpPr txBox="1"/>
+          <p:cNvPr id="69" name=""/>
+          <p:cNvSpPr/>
           <p:nvPr/>
         </p:nvSpPr>
         <p:spPr>
           <a:xfrm>
             <a:off x="1746000" y="4390200"/>
-            <a:ext cx="7543800" cy="1143000"/>
-          </a:xfrm>
-          <a:prstGeom prst="rect">
-            <a:avLst/>
-          </a:prstGeom>
-          <a:noFill/>
-          <a:ln w="0">
-            <a:noFill/>
-          </a:ln>
-        </p:spPr>
+            <a:ext cx="7543440" cy="1142640"/>
+          </a:xfrm>
+          <a:prstGeom prst="rect">
+            <a:avLst/>
+          </a:prstGeom>
+          <a:noFill/>
+          <a:ln w="0">
+            <a:noFill/>
+          </a:ln>
+        </p:spPr>
+        <p:style>
+          <a:lnRef idx="0"/>
+          <a:fillRef idx="0"/>
+          <a:effectRef idx="0"/>
+          <a:fontRef idx="minor"/>
+        </p:style>
         <p:txBody>
           <a:bodyPr lIns="90000" rIns="90000" tIns="45000" bIns="45000" anchor="t">
             <a:noAutofit/>
           </a:bodyPr>
           <a:p>
+            <a:pPr>
+              <a:lnSpc>
+                <a:spcPct val="100000"/>
+              </a:lnSpc>
+              <a:buNone/>
+            </a:pPr>
             <a:r>
               <a:rPr b="0" lang="en-US" sz="2400" spc="-1" strike="noStrike">
                 <a:latin typeface="Arial"/>
               </a:rPr>
-              <a:t>You can fill the entire box to unselect an incorrectly checked box. If you want to select answer </a:t>
+              <a:t>You can fill the entire box to deselect an incorrectly checked box. If you want to select answer </a:t>
             </a:r>
             <a:r>
               <a:rPr b="0" i="1" lang="en-US" sz="2400" spc="-1" strike="noStrike">
@@ -3486,28 +3814,28 @@
       </p:sp>
       <p:grpSp>
         <p:nvGrpSpPr>
-          <p:cNvPr id="65" name=""/>
+          <p:cNvPr id="70" name=""/>
           <p:cNvGrpSpPr/>
           <p:nvPr/>
         </p:nvGrpSpPr>
         <p:grpSpPr>
           <a:xfrm>
-            <a:off x="4105440" y="3162600"/>
-            <a:ext cx="3429360" cy="541440"/>
-            <a:chOff x="4105440" y="3162600"/>
-            <a:chExt cx="3429360" cy="541440"/>
+            <a:off x="4105080" y="3162600"/>
+            <a:ext cx="3429000" cy="540720"/>
+            <a:chOff x="4105080" y="3162600"/>
+            <a:chExt cx="3429000" cy="540720"/>
           </a:xfrm>
         </p:grpSpPr>
         <p:sp>
           <p:nvSpPr>
-            <p:cNvPr id="66" name=""/>
+            <p:cNvPr id="71" name=""/>
             <p:cNvSpPr/>
             <p:nvPr/>
           </p:nvSpPr>
           <p:spPr>
             <a:xfrm rot="21576600">
-              <a:off x="4105800" y="3490200"/>
-              <a:ext cx="3427920" cy="201960"/>
+              <a:off x="4105440" y="3489840"/>
+              <a:ext cx="3427560" cy="201600"/>
             </a:xfrm>
             <a:custGeom>
               <a:avLst/>
@@ -3557,14 +3885,14 @@
         </p:sp>
         <p:sp>
           <p:nvSpPr>
-            <p:cNvPr id="67" name=""/>
+            <p:cNvPr id="72" name=""/>
             <p:cNvSpPr/>
             <p:nvPr/>
           </p:nvSpPr>
           <p:spPr>
             <a:xfrm>
               <a:off x="7497360" y="3162600"/>
-              <a:ext cx="0" cy="403200"/>
+              <a:ext cx="360" cy="403200"/>
             </a:xfrm>
             <a:prstGeom prst="line">
               <a:avLst/>
@@ -3586,28 +3914,40 @@
       </p:grpSp>
       <p:sp>
         <p:nvSpPr>
-          <p:cNvPr id="68" name=""/>
-          <p:cNvSpPr txBox="1"/>
+          <p:cNvPr id="73" name=""/>
+          <p:cNvSpPr/>
           <p:nvPr/>
         </p:nvSpPr>
         <p:spPr>
           <a:xfrm>
             <a:off x="4226400" y="1947600"/>
-            <a:ext cx="5340600" cy="770040"/>
-          </a:xfrm>
-          <a:prstGeom prst="rect">
-            <a:avLst/>
-          </a:prstGeom>
-          <a:noFill/>
-          <a:ln w="0">
-            <a:noFill/>
-          </a:ln>
-        </p:spPr>
+            <a:ext cx="5340240" cy="769680"/>
+          </a:xfrm>
+          <a:prstGeom prst="rect">
+            <a:avLst/>
+          </a:prstGeom>
+          <a:noFill/>
+          <a:ln w="0">
+            <a:noFill/>
+          </a:ln>
+        </p:spPr>
+        <p:style>
+          <a:lnRef idx="0"/>
+          <a:fillRef idx="0"/>
+          <a:effectRef idx="0"/>
+          <a:fontRef idx="minor"/>
+        </p:style>
         <p:txBody>
           <a:bodyPr lIns="90000" rIns="90000" tIns="45000" bIns="45000" anchor="t">
             <a:noAutofit/>
           </a:bodyPr>
           <a:p>
+            <a:pPr>
+              <a:lnSpc>
+                <a:spcPct val="100000"/>
+              </a:lnSpc>
+              <a:buNone/>
+            </a:pPr>
             <a:r>
               <a:rPr b="0" lang="en-US" sz="2400" spc="-1" strike="noStrike">
                 <a:latin typeface="Arial"/>
@@ -3622,14 +3962,14 @@
       </p:sp>
       <p:sp>
         <p:nvSpPr>
-          <p:cNvPr id="69" name=""/>
+          <p:cNvPr id="74" name=""/>
           <p:cNvSpPr/>
           <p:nvPr/>
         </p:nvSpPr>
         <p:spPr>
           <a:xfrm>
             <a:off x="3961800" y="1926000"/>
-            <a:ext cx="264600" cy="588600"/>
+            <a:ext cx="264240" cy="588240"/>
           </a:xfrm>
           <a:custGeom>
             <a:avLst/>
@@ -3679,7 +4019,7 @@
       </p:sp>
       <p:sp>
         <p:nvSpPr>
-          <p:cNvPr id="70" name=""/>
+          <p:cNvPr id="75" name=""/>
           <p:cNvSpPr/>
           <p:nvPr/>
         </p:nvSpPr>
@@ -3708,28 +4048,40 @@
       </p:sp>
       <p:sp>
         <p:nvSpPr>
-          <p:cNvPr id="71" name=""/>
-          <p:cNvSpPr txBox="1"/>
+          <p:cNvPr id="76" name=""/>
+          <p:cNvSpPr/>
           <p:nvPr/>
         </p:nvSpPr>
         <p:spPr>
           <a:xfrm>
             <a:off x="448200" y="212760"/>
-            <a:ext cx="9381600" cy="1109880"/>
-          </a:xfrm>
-          <a:prstGeom prst="rect">
-            <a:avLst/>
-          </a:prstGeom>
-          <a:noFill/>
-          <a:ln w="0">
-            <a:noFill/>
-          </a:ln>
-        </p:spPr>
+            <a:ext cx="9381240" cy="1109520"/>
+          </a:xfrm>
+          <a:prstGeom prst="rect">
+            <a:avLst/>
+          </a:prstGeom>
+          <a:noFill/>
+          <a:ln w="0">
+            <a:noFill/>
+          </a:ln>
+        </p:spPr>
+        <p:style>
+          <a:lnRef idx="0"/>
+          <a:fillRef idx="0"/>
+          <a:effectRef idx="0"/>
+          <a:fontRef idx="minor"/>
+        </p:style>
         <p:txBody>
           <a:bodyPr lIns="90000" rIns="90000" tIns="45000" bIns="45000" anchor="t">
             <a:noAutofit/>
           </a:bodyPr>
           <a:p>
+            <a:pPr>
+              <a:lnSpc>
+                <a:spcPct val="100000"/>
+              </a:lnSpc>
+              <a:buNone/>
+            </a:pPr>
             <a:r>
               <a:rPr b="0" lang="en-US" sz="2400" spc="-1" strike="noStrike">
                 <a:latin typeface="Arial"/>
@@ -3744,20 +4096,20 @@
       </p:sp>
       <p:sp>
         <p:nvSpPr>
-          <p:cNvPr id="72" name=""/>
+          <p:cNvPr id="77" name=""/>
           <p:cNvSpPr/>
           <p:nvPr/>
         </p:nvSpPr>
         <p:spPr>
           <a:xfrm>
             <a:off x="1258920" y="2891880"/>
-            <a:ext cx="220680" cy="188280"/>
+            <a:ext cx="220320" cy="187920"/>
           </a:xfrm>
           <a:custGeom>
             <a:avLst/>
             <a:gdLst/>
             <a:ahLst/>
-            <a:rect l="0" t="0" r="r" b="b"/>
+            <a:rect l="l" t="t" r="r" b="b"/>
             <a:pathLst>
               <a:path fill="none" w="613" h="523">
                 <a:moveTo>
@@ -3780,28 +4132,7 @@
               </a:path>
             </a:pathLst>
           </a:custGeom>
-          <a:ln w="36720">
-            <a:solidFill>
-              <a:srgbClr val="000000"/>
-            </a:solidFill>
-            <a:round/>
-          </a:ln>
-        </p:spPr>
-      </p:sp>
-      <p:sp>
-        <p:nvSpPr>
-          <p:cNvPr id="73" name=""/>
-          <p:cNvSpPr/>
-          <p:nvPr/>
-        </p:nvSpPr>
-        <p:spPr>
-          <a:xfrm>
-            <a:off x="1924560" y="1967400"/>
-            <a:ext cx="426240" cy="417600"/>
-          </a:xfrm>
-          <a:prstGeom prst="line">
-            <a:avLst/>
-          </a:prstGeom>
+          <a:noFill/>
           <a:ln w="36720">
             <a:solidFill>
               <a:srgbClr val="000000"/>
@@ -3818,14 +4149,14 @@
       </p:sp>
       <p:sp>
         <p:nvSpPr>
-          <p:cNvPr id="74" name=""/>
+          <p:cNvPr id="78" name=""/>
           <p:cNvSpPr/>
           <p:nvPr/>
         </p:nvSpPr>
         <p:spPr>
-          <a:xfrm flipV="1">
-            <a:off x="1919880" y="1955880"/>
-            <a:ext cx="408240" cy="435240"/>
+          <a:xfrm>
+            <a:off x="1924560" y="1967400"/>
+            <a:ext cx="426240" cy="417600"/>
           </a:xfrm>
           <a:prstGeom prst="line">
             <a:avLst/>
@@ -3846,14 +4177,14 @@
       </p:sp>
       <p:sp>
         <p:nvSpPr>
-          <p:cNvPr id="75" name=""/>
+          <p:cNvPr id="79" name=""/>
           <p:cNvSpPr/>
           <p:nvPr/>
         </p:nvSpPr>
         <p:spPr>
-          <a:xfrm>
-            <a:off x="1916640" y="2731320"/>
-            <a:ext cx="426240" cy="417600"/>
+          <a:xfrm flipV="1">
+            <a:off x="1919880" y="1955880"/>
+            <a:ext cx="408240" cy="435240"/>
           </a:xfrm>
           <a:prstGeom prst="line">
             <a:avLst/>
@@ -3874,14 +4205,14 @@
       </p:sp>
       <p:sp>
         <p:nvSpPr>
-          <p:cNvPr id="76" name=""/>
+          <p:cNvPr id="80" name=""/>
           <p:cNvSpPr/>
           <p:nvPr/>
         </p:nvSpPr>
         <p:spPr>
-          <a:xfrm flipV="1">
-            <a:off x="1896120" y="2719800"/>
-            <a:ext cx="408240" cy="435240"/>
+          <a:xfrm>
+            <a:off x="1916640" y="2731320"/>
+            <a:ext cx="426240" cy="417600"/>
           </a:xfrm>
           <a:prstGeom prst="line">
             <a:avLst/>
@@ -3902,14 +4233,14 @@
       </p:sp>
       <p:sp>
         <p:nvSpPr>
-          <p:cNvPr id="77" name=""/>
+          <p:cNvPr id="81" name=""/>
           <p:cNvSpPr/>
           <p:nvPr/>
         </p:nvSpPr>
         <p:spPr>
-          <a:xfrm>
-            <a:off x="1924560" y="3443400"/>
-            <a:ext cx="426240" cy="417600"/>
+          <a:xfrm flipV="1">
+            <a:off x="1896120" y="2719800"/>
+            <a:ext cx="408240" cy="435240"/>
           </a:xfrm>
           <a:prstGeom prst="line">
             <a:avLst/>
@@ -3930,7 +4261,35 @@
       </p:sp>
       <p:sp>
         <p:nvSpPr>
-          <p:cNvPr id="78" name=""/>
+          <p:cNvPr id="82" name=""/>
+          <p:cNvSpPr/>
+          <p:nvPr/>
+        </p:nvSpPr>
+        <p:spPr>
+          <a:xfrm>
+            <a:off x="1924560" y="3443400"/>
+            <a:ext cx="426240" cy="417600"/>
+          </a:xfrm>
+          <a:prstGeom prst="line">
+            <a:avLst/>
+          </a:prstGeom>
+          <a:ln w="36720">
+            <a:solidFill>
+              <a:srgbClr val="000000"/>
+            </a:solidFill>
+            <a:round/>
+          </a:ln>
+        </p:spPr>
+        <p:style>
+          <a:lnRef idx="0"/>
+          <a:fillRef idx="0"/>
+          <a:effectRef idx="0"/>
+          <a:fontRef idx="minor"/>
+        </p:style>
+      </p:sp>
+      <p:sp>
+        <p:nvSpPr>
+          <p:cNvPr id="83" name=""/>
           <p:cNvSpPr/>
           <p:nvPr/>
         </p:nvSpPr>
@@ -4193,4 +4552,230 @@
     </a:fmtScheme>
   </a:themeElements>
 </a:theme>
+</file>
+
+<file path=ppt/theme/theme2.xml><?xml version="1.0" encoding="utf-8"?>
+<a:theme xmlns:a="http://schemas.openxmlformats.org/drawingml/2006/main" name="Office Theme">
+  <a:themeElements>
+    <a:clrScheme name="Office">
+      <a:dk1>
+        <a:sysClr val="windowText" lastClr="000000"/>
+      </a:dk1>
+      <a:lt1>
+        <a:sysClr val="window" lastClr="FFFFFF"/>
+      </a:lt1>
+      <a:dk2>
+        <a:srgbClr val="1f497d"/>
+      </a:dk2>
+      <a:lt2>
+        <a:srgbClr val="eeece1"/>
+      </a:lt2>
+      <a:accent1>
+        <a:srgbClr val="4f81bd"/>
+      </a:accent1>
+      <a:accent2>
+        <a:srgbClr val="c0504d"/>
+      </a:accent2>
+      <a:accent3>
+        <a:srgbClr val="9bbb59"/>
+      </a:accent3>
+      <a:accent4>
+        <a:srgbClr val="8064a2"/>
+      </a:accent4>
+      <a:accent5>
+        <a:srgbClr val="4bacc6"/>
+      </a:accent5>
+      <a:accent6>
+        <a:srgbClr val="f79646"/>
+      </a:accent6>
+      <a:hlink>
+        <a:srgbClr val="0000ff"/>
+      </a:hlink>
+      <a:folHlink>
+        <a:srgbClr val="800080"/>
+      </a:folHlink>
+    </a:clrScheme>
+    <a:fontScheme name="Office">
+      <a:majorFont>
+        <a:latin typeface="Arial"/>
+        <a:ea typeface="DejaVu Sans"/>
+        <a:cs typeface="DejaVu Sans"/>
+      </a:majorFont>
+      <a:minorFont>
+        <a:latin typeface="Arial"/>
+        <a:ea typeface="DejaVu Sans"/>
+        <a:cs typeface="DejaVu Sans"/>
+      </a:minorFont>
+    </a:fontScheme>
+    <a:fmtScheme name="Office">
+      <a:fillStyleLst>
+        <a:solidFill>
+          <a:schemeClr val="phClr"/>
+        </a:solidFill>
+        <a:gradFill rotWithShape="1">
+          <a:gsLst>
+            <a:gs pos="0">
+              <a:schemeClr val="phClr">
+                <a:tint val="50000"/>
+                <a:satMod val="300000"/>
+              </a:schemeClr>
+            </a:gs>
+            <a:gs pos="35000">
+              <a:schemeClr val="phClr">
+                <a:tint val="37000"/>
+                <a:satMod val="300000"/>
+              </a:schemeClr>
+            </a:gs>
+            <a:gs pos="100000">
+              <a:schemeClr val="phClr">
+                <a:tint val="15000"/>
+                <a:satMod val="350000"/>
+              </a:schemeClr>
+            </a:gs>
+          </a:gsLst>
+          <a:lin ang="16200000" scaled="1"/>
+        </a:gradFill>
+        <a:gradFill rotWithShape="1">
+          <a:gsLst>
+            <a:gs pos="0">
+              <a:schemeClr val="phClr">
+                <a:shade val="51000"/>
+                <a:satMod val="130000"/>
+              </a:schemeClr>
+            </a:gs>
+            <a:gs pos="80000">
+              <a:schemeClr val="phClr">
+                <a:shade val="93000"/>
+                <a:satMod val="130000"/>
+              </a:schemeClr>
+            </a:gs>
+            <a:gs pos="100000">
+              <a:schemeClr val="phClr">
+                <a:shade val="94000"/>
+                <a:satMod val="135000"/>
+              </a:schemeClr>
+            </a:gs>
+          </a:gsLst>
+          <a:lin ang="16200000" scaled="0"/>
+        </a:gradFill>
+      </a:fillStyleLst>
+      <a:lnStyleLst>
+        <a:ln w="9525" cap="flat" cmpd="sng" algn="ctr">
+          <a:solidFill>
+            <a:schemeClr val="phClr">
+              <a:shade val="95000"/>
+              <a:satMod val="105000"/>
+            </a:schemeClr>
+          </a:solidFill>
+          <a:prstDash val="solid"/>
+          <a:miter/>
+        </a:ln>
+        <a:ln w="25400" cap="flat" cmpd="sng" algn="ctr">
+          <a:solidFill>
+            <a:schemeClr val="phClr"/>
+          </a:solidFill>
+          <a:prstDash val="solid"/>
+          <a:miter/>
+        </a:ln>
+        <a:ln w="38100" cap="flat" cmpd="sng" algn="ctr">
+          <a:solidFill>
+            <a:schemeClr val="phClr"/>
+          </a:solidFill>
+          <a:prstDash val="solid"/>
+          <a:miter/>
+        </a:ln>
+      </a:lnStyleLst>
+      <a:effectStyleLst>
+        <a:effectStyle>
+          <a:effectLst>
+            <a:outerShdw blurRad="40000" dist="20000" dir="5400000" rotWithShape="0">
+              <a:srgbClr val="000000">
+                <a:alpha val="38000"/>
+              </a:srgbClr>
+            </a:outerShdw>
+          </a:effectLst>
+        </a:effectStyle>
+        <a:effectStyle>
+          <a:effectLst>
+            <a:outerShdw blurRad="40000" dist="23000" dir="5400000" rotWithShape="0">
+              <a:srgbClr val="000000">
+                <a:alpha val="35000"/>
+              </a:srgbClr>
+            </a:outerShdw>
+          </a:effectLst>
+        </a:effectStyle>
+        <a:effectStyle>
+          <a:effectLst>
+            <a:outerShdw blurRad="40000" dist="23000" dir="5400000" rotWithShape="0">
+              <a:srgbClr val="000000">
+                <a:alpha val="35000"/>
+              </a:srgbClr>
+            </a:outerShdw>
+          </a:effectLst>
+          <a:scene3d>
+            <a:camera prst="orthographicFront">
+              <a:rot lat="0" lon="0" rev="0"/>
+            </a:camera>
+            <a:lightRig rig="threePt" dir="t">
+              <a:rot lat="0" lon="0" rev="1200000"/>
+            </a:lightRig>
+          </a:scene3d>
+          <a:sp3d>
+            <a:bevelT w="63500" h="25400"/>
+          </a:sp3d>
+        </a:effectStyle>
+      </a:effectStyleLst>
+      <a:bgFillStyleLst>
+        <a:solidFill>
+          <a:schemeClr val="phClr"/>
+        </a:solidFill>
+        <a:gradFill rotWithShape="1">
+          <a:gsLst>
+            <a:gs pos="0">
+              <a:schemeClr val="phClr">
+                <a:tint val="40000"/>
+                <a:satMod val="350000"/>
+              </a:schemeClr>
+            </a:gs>
+            <a:gs pos="40000">
+              <a:schemeClr val="phClr">
+                <a:tint val="45000"/>
+                <a:shade val="99000"/>
+                <a:satMod val="350000"/>
+              </a:schemeClr>
+            </a:gs>
+            <a:gs pos="100000">
+              <a:schemeClr val="phClr">
+                <a:shade val="20000"/>
+                <a:satMod val="255000"/>
+              </a:schemeClr>
+            </a:gs>
+          </a:gsLst>
+          <a:path path="circle">
+            <a:fillToRect l="50000" t="-80000" r="50000" b="180000"/>
+          </a:path>
+        </a:gradFill>
+        <a:gradFill rotWithShape="1">
+          <a:gsLst>
+            <a:gs pos="0">
+              <a:schemeClr val="phClr">
+                <a:tint val="80000"/>
+                <a:satMod val="300000"/>
+              </a:schemeClr>
+            </a:gs>
+            <a:gs pos="100000">
+              <a:schemeClr val="phClr">
+                <a:shade val="30000"/>
+                <a:satMod val="200000"/>
+              </a:schemeClr>
+            </a:gs>
+          </a:gsLst>
+          <a:path path="circle">
+            <a:fillToRect l="50000" t="50000" r="50000" b="50000"/>
+          </a:path>
+        </a:gradFill>
+      </a:bgFillStyleLst>
+    </a:fmtScheme>
+  </a:themeElements>
+</a:theme>
 </file>